--- a/Documentation/final -File Encryptor In C++.pptx
+++ b/Documentation/final -File Encryptor In C++.pptx
@@ -26,14 +26,14 @@
   <p:notesSz cx="12192000" cy="6858000"/>
   <p:embeddedFontLst>
     <p:embeddedFont>
-      <p:font typeface="Century Gothic" pitchFamily="34" charset="0"/>
+      <p:font typeface="Cambria" panose="02040503050406030204" pitchFamily="18" charset="0"/>
       <p:regular r:id="rId16"/>
       <p:bold r:id="rId17"/>
       <p:italic r:id="rId18"/>
       <p:boldItalic r:id="rId19"/>
     </p:embeddedFont>
     <p:embeddedFont>
-      <p:font typeface="Cambria" pitchFamily="18" charset="0"/>
+      <p:font typeface="Century Gothic" panose="020B0502020202020204" pitchFamily="34" charset="0"/>
       <p:regular r:id="rId20"/>
       <p:bold r:id="rId21"/>
       <p:italic r:id="rId22"/>
@@ -271,7 +271,7 @@
   </p:defaultTextStyle>
   <p:extLst>
     <p:ext uri="{EFAFB233-063F-42B5-8137-9DF3F51BA10A}">
-      <p15:sldGuideLst xmlns="" xmlns:mc="http://schemas.openxmlformats.org/markup-compatibility/2006" xmlns:mv="urn:schemas-microsoft-com:mac:vml" xmlns:c="http://schemas.openxmlformats.org/drawingml/2006/chart" xmlns:dgm="http://schemas.openxmlformats.org/drawingml/2006/diagram" xmlns:o="urn:schemas-microsoft-com:office:office" xmlns:v="urn:schemas-microsoft-com:vml" xmlns:pvml="urn:schemas-microsoft-com:office:powerpoint" xmlns:com="http://schemas.openxmlformats.org/drawingml/2006/compatibility" xmlns:p14="http://schemas.microsoft.com/office/powerpoint/2010/main" xmlns:p15="http://schemas.microsoft.com/office/powerpoint/2012/main" xmlns:ahyp="http://schemas.microsoft.com/office/drawing/2018/hyperlinkcolor">
+      <p15:sldGuideLst xmlns:p15="http://schemas.microsoft.com/office/powerpoint/2012/main">
         <p15:guide id="1" orient="horz" pos="2880">
           <p15:clr>
             <a:srgbClr val="A4A3A4"/>
@@ -285,7 +285,7 @@
       </p15:sldGuideLst>
     </p:ext>
     <p:ext uri="GoogleSlidesCustomDataVersion2">
-      <go:slidesCustomData xmlns="" xmlns:mc="http://schemas.openxmlformats.org/markup-compatibility/2006" xmlns:mv="urn:schemas-microsoft-com:mac:vml" xmlns:c="http://schemas.openxmlformats.org/drawingml/2006/chart" xmlns:dgm="http://schemas.openxmlformats.org/drawingml/2006/diagram" xmlns:o="urn:schemas-microsoft-com:office:office" xmlns:v="urn:schemas-microsoft-com:vml" xmlns:pvml="urn:schemas-microsoft-com:office:powerpoint" xmlns:com="http://schemas.openxmlformats.org/drawingml/2006/compatibility" xmlns:p14="http://schemas.microsoft.com/office/powerpoint/2010/main" xmlns:p15="http://schemas.microsoft.com/office/powerpoint/2012/main" xmlns:ahyp="http://schemas.microsoft.com/office/drawing/2018/hyperlinkcolor" xmlns:go="http://customooxmlschemas.google.com/" r:id="rId24" roundtripDataSignature="AMtx7miiVGhCrf2v17o/PY4/uoxnTXy3DQ=="/>
+      <go:slidesCustomData xmlns:go="http://customooxmlschemas.google.com/" xmlns:ahyp="http://schemas.microsoft.com/office/drawing/2018/hyperlinkcolor" xmlns:p15="http://schemas.microsoft.com/office/powerpoint/2012/main" xmlns:p14="http://schemas.microsoft.com/office/powerpoint/2010/main" xmlns:com="http://schemas.openxmlformats.org/drawingml/2006/compatibility" xmlns:pvml="urn:schemas-microsoft-com:office:powerpoint" xmlns:v="urn:schemas-microsoft-com:vml" xmlns:o="urn:schemas-microsoft-com:office:office" xmlns:dgm="http://schemas.openxmlformats.org/drawingml/2006/diagram" xmlns:c="http://schemas.openxmlformats.org/drawingml/2006/chart" xmlns:mv="urn:schemas-microsoft-com:mac:vml" xmlns:mc="http://schemas.openxmlformats.org/markup-compatibility/2006" xmlns="" r:id="rId24" roundtripDataSignature="AMtx7miiVGhCrf2v17o/PY4/uoxnTXy3DQ=="/>
     </p:ext>
   </p:extLst>
 </p:presentation>
@@ -1319,8 +1319,8 @@
         </p:nvSpPr>
         <p:spPr>
           <a:xfrm>
-            <a:off x="2032400" y="514350"/>
-            <a:ext cx="8128400" cy="2571750"/>
+            <a:off x="3810000" y="514350"/>
+            <a:ext cx="4573588" cy="2571750"/>
           </a:xfrm>
           <a:custGeom>
             <a:avLst/>
@@ -1423,8 +1423,8 @@
         </p:nvSpPr>
         <p:spPr>
           <a:xfrm>
-            <a:off x="2032400" y="514350"/>
-            <a:ext cx="8128400" cy="2571750"/>
+            <a:off x="3810000" y="514350"/>
+            <a:ext cx="4573588" cy="2571750"/>
           </a:xfrm>
           <a:custGeom>
             <a:avLst/>
@@ -20687,7 +20687,7 @@
               </a:rPr>
               <a:t>BCE III Semester</a:t>
             </a:r>
-            <a:endParaRPr sz="2800">
+            <a:endParaRPr sz="2800" dirty="0">
               <a:latin typeface="Cambria"/>
               <a:ea typeface="Cambria"/>
               <a:cs typeface="Cambria"/>
@@ -20707,7 +20707,7 @@
               </a:spcAft>
               <a:buNone/>
             </a:pPr>
-            <a:endParaRPr sz="2800">
+            <a:endParaRPr sz="2800" dirty="0">
               <a:latin typeface="Cambria"/>
               <a:ea typeface="Cambria"/>
               <a:cs typeface="Cambria"/>
@@ -20728,18 +20728,6 @@
               <a:buNone/>
             </a:pPr>
             <a:r>
-              <a:rPr lang="en-US" sz="2000" dirty="0" err="1">
-                <a:solidFill>
-                  <a:srgbClr val="7E7E7E"/>
-                </a:solidFill>
-                <a:latin typeface="Cambria"/>
-                <a:ea typeface="Cambria"/>
-                <a:cs typeface="Cambria"/>
-                <a:sym typeface="Cambria"/>
-              </a:rPr>
-              <a:t>Salim</a:t>
-            </a:r>
-            <a:r>
               <a:rPr lang="en-US" sz="2000" dirty="0">
                 <a:solidFill>
                   <a:srgbClr val="7E7E7E"/>
@@ -20749,33 +20737,9 @@
                 <a:cs typeface="Cambria"/>
                 <a:sym typeface="Cambria"/>
               </a:rPr>
-              <a:t> </a:t>
+              <a:t>Salim Shrestha [KCC03042023]</a:t>
             </a:r>
-            <a:r>
-              <a:rPr lang="en-US" sz="2000" dirty="0" err="1">
-                <a:solidFill>
-                  <a:srgbClr val="7E7E7E"/>
-                </a:solidFill>
-                <a:latin typeface="Cambria"/>
-                <a:ea typeface="Cambria"/>
-                <a:cs typeface="Cambria"/>
-                <a:sym typeface="Cambria"/>
-              </a:rPr>
-              <a:t>Shrestha</a:t>
-            </a:r>
-            <a:r>
-              <a:rPr lang="en-US" sz="2000" dirty="0">
-                <a:solidFill>
-                  <a:srgbClr val="7E7E7E"/>
-                </a:solidFill>
-                <a:latin typeface="Cambria"/>
-                <a:ea typeface="Cambria"/>
-                <a:cs typeface="Cambria"/>
-                <a:sym typeface="Cambria"/>
-              </a:rPr>
-              <a:t> [KCC03042023]</a:t>
-            </a:r>
-            <a:endParaRPr sz="2000">
+            <a:endParaRPr sz="2000" dirty="0">
               <a:latin typeface="Cambria"/>
               <a:ea typeface="Cambria"/>
               <a:cs typeface="Cambria"/>
@@ -20817,93 +20781,9 @@
                 <a:cs typeface="Cambria"/>
                 <a:sym typeface="Cambria"/>
               </a:rPr>
-              <a:t> </a:t>
+              <a:t> Rokaya [KCC03192023] Aayush Kumar Mallik [KCC03162023]</a:t>
             </a:r>
-            <a:r>
-              <a:rPr lang="en-US" sz="2000" dirty="0" err="1">
-                <a:solidFill>
-                  <a:srgbClr val="7E7E7E"/>
-                </a:solidFill>
-                <a:latin typeface="Cambria"/>
-                <a:ea typeface="Cambria"/>
-                <a:cs typeface="Cambria"/>
-                <a:sym typeface="Cambria"/>
-              </a:rPr>
-              <a:t>Rokaya</a:t>
-            </a:r>
-            <a:r>
-              <a:rPr lang="en-US" sz="2000" dirty="0">
-                <a:solidFill>
-                  <a:srgbClr val="7E7E7E"/>
-                </a:solidFill>
-                <a:latin typeface="Cambria"/>
-                <a:ea typeface="Cambria"/>
-                <a:cs typeface="Cambria"/>
-                <a:sym typeface="Cambria"/>
-              </a:rPr>
-              <a:t> [KCC03192023] </a:t>
-            </a:r>
-            <a:r>
-              <a:rPr lang="en-US" sz="2000" dirty="0" err="1" smtClean="0">
-                <a:solidFill>
-                  <a:srgbClr val="7E7E7E"/>
-                </a:solidFill>
-                <a:latin typeface="Cambria"/>
-                <a:ea typeface="Cambria"/>
-                <a:cs typeface="Cambria"/>
-                <a:sym typeface="Cambria"/>
-              </a:rPr>
-              <a:t>Aayush</a:t>
-            </a:r>
-            <a:r>
-              <a:rPr lang="en-US" sz="2000" dirty="0" smtClean="0">
-                <a:solidFill>
-                  <a:srgbClr val="7E7E7E"/>
-                </a:solidFill>
-                <a:latin typeface="Cambria"/>
-                <a:ea typeface="Cambria"/>
-                <a:cs typeface="Cambria"/>
-                <a:sym typeface="Cambria"/>
-              </a:rPr>
-              <a:t> </a:t>
-            </a:r>
-            <a:r>
-              <a:rPr lang="en-US" sz="2000" dirty="0">
-                <a:solidFill>
-                  <a:srgbClr val="7E7E7E"/>
-                </a:solidFill>
-                <a:latin typeface="Cambria"/>
-                <a:ea typeface="Cambria"/>
-                <a:cs typeface="Cambria"/>
-                <a:sym typeface="Cambria"/>
-              </a:rPr>
-              <a:t>Kumar </a:t>
-            </a:r>
-            <a:r>
-              <a:rPr lang="en-US" sz="2000" dirty="0" err="1">
-                <a:solidFill>
-                  <a:srgbClr val="7E7E7E"/>
-                </a:solidFill>
-                <a:latin typeface="Cambria"/>
-                <a:ea typeface="Cambria"/>
-                <a:cs typeface="Cambria"/>
-                <a:sym typeface="Cambria"/>
-              </a:rPr>
-              <a:t>Mallik</a:t>
-            </a:r>
-            <a:r>
-              <a:rPr lang="en-US" sz="2000" dirty="0">
-                <a:solidFill>
-                  <a:srgbClr val="7E7E7E"/>
-                </a:solidFill>
-                <a:latin typeface="Cambria"/>
-                <a:ea typeface="Cambria"/>
-                <a:cs typeface="Cambria"/>
-                <a:sym typeface="Cambria"/>
-              </a:rPr>
-              <a:t> [KCC03162023]</a:t>
-            </a:r>
-            <a:endParaRPr sz="2000">
+            <a:endParaRPr sz="2000" dirty="0">
               <a:latin typeface="Cambria"/>
               <a:ea typeface="Cambria"/>
               <a:cs typeface="Cambria"/>
@@ -22175,7 +22055,7 @@
         <p:spPr>
           <a:xfrm>
             <a:off x="2592925" y="624110"/>
-            <a:ext cx="8911687" cy="1280890"/>
+            <a:ext cx="8911687" cy="566822"/>
           </a:xfrm>
           <a:prstGeom prst="rect">
             <a:avLst/>
@@ -22209,10 +22089,10 @@
               <a:buNone/>
             </a:pPr>
             <a:r>
-              <a:rPr lang="en-US" dirty="0"/>
-              <a:t>Contents / Agenda</a:t>
+              <a:rPr lang="en-US" b="1" dirty="0"/>
+              <a:t>Table of Content</a:t>
             </a:r>
-            <a:endParaRPr/>
+            <a:endParaRPr b="1" dirty="0"/>
           </a:p>
         </p:txBody>
       </p:sp>
@@ -22286,7 +22166,7 @@
         <p:spPr>
           <a:xfrm>
             <a:off x="642035" y="1598275"/>
-            <a:ext cx="5087620" cy="3416320"/>
+            <a:ext cx="5087620" cy="3978012"/>
           </a:xfrm>
           <a:prstGeom prst="rect">
             <a:avLst/>
@@ -22307,7 +22187,7 @@
                 <a:spcPct val="100000"/>
               </a:lnSpc>
               <a:spcBef>
-                <a:spcPts val="0"/>
+                <a:spcPts val="509"/>
               </a:spcBef>
               <a:spcAft>
                 <a:spcPts val="0"/>
@@ -22320,7 +22200,7 @@
               <a:buChar char="►"/>
             </a:pPr>
             <a:r>
-              <a:rPr lang="en-US" sz="2400" dirty="0">
+              <a:rPr lang="en-GB" sz="2400" dirty="0">
                 <a:solidFill>
                   <a:srgbClr val="3F3F3F"/>
                 </a:solidFill>
@@ -22331,12 +22211,6 @@
               </a:rPr>
               <a:t>Introduction</a:t>
             </a:r>
-            <a:endParaRPr sz="2400">
-              <a:latin typeface="Cambria"/>
-              <a:ea typeface="Cambria"/>
-              <a:cs typeface="Cambria"/>
-              <a:sym typeface="Cambria"/>
-            </a:endParaRPr>
           </a:p>
           <a:p>
             <a:pPr marL="463550" lvl="0" indent="-450850" algn="l" rtl="0">
@@ -22357,7 +22231,69 @@
               <a:buChar char="►"/>
             </a:pPr>
             <a:r>
-              <a:rPr lang="en-US" sz="2400" dirty="0">
+              <a:rPr lang="en-GB" sz="2400" dirty="0">
+                <a:solidFill>
+                  <a:srgbClr val="3F3F3F"/>
+                </a:solidFill>
+                <a:latin typeface="Cambria"/>
+                <a:ea typeface="Cambria"/>
+                <a:cs typeface="Cambria"/>
+                <a:sym typeface="Cambria"/>
+              </a:rPr>
+              <a:t>Objective</a:t>
+            </a:r>
+          </a:p>
+          <a:p>
+            <a:pPr marL="463550" lvl="0" indent="-450850" algn="l" rtl="0">
+              <a:lnSpc>
+                <a:spcPct val="100000"/>
+              </a:lnSpc>
+              <a:spcBef>
+                <a:spcPts val="509"/>
+              </a:spcBef>
+              <a:spcAft>
+                <a:spcPts val="0"/>
+              </a:spcAft>
+              <a:buClr>
+                <a:srgbClr val="5ECAEF"/>
+              </a:buClr>
+              <a:buSzPts val="1964"/>
+              <a:buFont typeface="Times New Roman"/>
+              <a:buChar char="►"/>
+            </a:pPr>
+            <a:r>
+              <a:rPr lang="en-GB" sz="2400" dirty="0">
+                <a:solidFill>
+                  <a:srgbClr val="3F3F3F"/>
+                </a:solidFill>
+                <a:latin typeface="Cambria"/>
+                <a:ea typeface="Cambria"/>
+                <a:cs typeface="Cambria"/>
+                <a:sym typeface="Cambria"/>
+              </a:rPr>
+              <a:t>Features</a:t>
+            </a:r>
+          </a:p>
+          <a:p>
+            <a:pPr marL="463550" lvl="0" indent="-450850" algn="l" rtl="0">
+              <a:lnSpc>
+                <a:spcPct val="100000"/>
+              </a:lnSpc>
+              <a:spcBef>
+                <a:spcPts val="509"/>
+              </a:spcBef>
+              <a:spcAft>
+                <a:spcPts val="0"/>
+              </a:spcAft>
+              <a:buClr>
+                <a:srgbClr val="5ECAEF"/>
+              </a:buClr>
+              <a:buSzPts val="1964"/>
+              <a:buFont typeface="Times New Roman"/>
+              <a:buChar char="►"/>
+            </a:pPr>
+            <a:r>
+              <a:rPr lang="en-GB" sz="2400" dirty="0">
                 <a:solidFill>
                   <a:srgbClr val="3F3F3F"/>
                 </a:solidFill>
@@ -22368,12 +22304,6 @@
               </a:rPr>
               <a:t>Problem Statement</a:t>
             </a:r>
-            <a:endParaRPr sz="2400">
-              <a:latin typeface="Cambria"/>
-              <a:ea typeface="Cambria"/>
-              <a:cs typeface="Cambria"/>
-              <a:sym typeface="Cambria"/>
-            </a:endParaRPr>
           </a:p>
           <a:p>
             <a:pPr marL="463550" lvl="0" indent="-450850" algn="l" rtl="0">
@@ -22394,7 +22324,7 @@
               <a:buChar char="►"/>
             </a:pPr>
             <a:r>
-              <a:rPr lang="en-US" sz="2400" dirty="0">
+              <a:rPr lang="en-GB" sz="2400" dirty="0">
                 <a:solidFill>
                   <a:srgbClr val="3F3F3F"/>
                 </a:solidFill>
@@ -22403,14 +22333,8 @@
                 <a:cs typeface="Cambria"/>
                 <a:sym typeface="Cambria"/>
               </a:rPr>
-              <a:t>Motivation</a:t>
+              <a:t>Tools and Technology</a:t>
             </a:r>
-            <a:endParaRPr sz="2400">
-              <a:latin typeface="Cambria"/>
-              <a:ea typeface="Cambria"/>
-              <a:cs typeface="Cambria"/>
-              <a:sym typeface="Cambria"/>
-            </a:endParaRPr>
           </a:p>
           <a:p>
             <a:pPr marL="463550" lvl="0" indent="-450850" algn="l" rtl="0">
@@ -22431,7 +22355,7 @@
               <a:buChar char="►"/>
             </a:pPr>
             <a:r>
-              <a:rPr lang="en-US" sz="2400" dirty="0">
+              <a:rPr lang="en-GB" sz="2400" dirty="0">
                 <a:solidFill>
                   <a:srgbClr val="3F3F3F"/>
                 </a:solidFill>
@@ -22440,14 +22364,8 @@
                 <a:cs typeface="Cambria"/>
                 <a:sym typeface="Cambria"/>
               </a:rPr>
-              <a:t>Features</a:t>
+              <a:t>System Design</a:t>
             </a:r>
-            <a:endParaRPr sz="2400">
-              <a:latin typeface="Cambria"/>
-              <a:ea typeface="Cambria"/>
-              <a:cs typeface="Cambria"/>
-              <a:sym typeface="Cambria"/>
-            </a:endParaRPr>
           </a:p>
           <a:p>
             <a:pPr marL="463550" lvl="0" indent="-450850" algn="l" rtl="0">
@@ -22468,7 +22386,7 @@
               <a:buChar char="►"/>
             </a:pPr>
             <a:r>
-              <a:rPr lang="en-US" sz="2400" dirty="0">
+              <a:rPr lang="en-GB" sz="2400" dirty="0">
                 <a:solidFill>
                   <a:srgbClr val="3F3F3F"/>
                 </a:solidFill>
@@ -22477,14 +22395,8 @@
                 <a:cs typeface="Cambria"/>
                 <a:sym typeface="Cambria"/>
               </a:rPr>
-              <a:t>Objectives</a:t>
+              <a:t>Scope and Limitation</a:t>
             </a:r>
-            <a:endParaRPr sz="2400">
-              <a:latin typeface="Cambria"/>
-              <a:ea typeface="Cambria"/>
-              <a:cs typeface="Cambria"/>
-              <a:sym typeface="Cambria"/>
-            </a:endParaRPr>
           </a:p>
           <a:p>
             <a:pPr marL="463550" lvl="0" indent="-450850" algn="l" rtl="0">
@@ -22492,7 +22404,7 @@
                 <a:spcPct val="100000"/>
               </a:lnSpc>
               <a:spcBef>
-                <a:spcPts val="515"/>
+                <a:spcPts val="509"/>
               </a:spcBef>
               <a:spcAft>
                 <a:spcPts val="0"/>
@@ -22505,7 +22417,7 @@
               <a:buChar char="►"/>
             </a:pPr>
             <a:r>
-              <a:rPr lang="en-US" sz="2400" dirty="0">
+              <a:rPr lang="en-GB" sz="2400" dirty="0">
                 <a:solidFill>
                   <a:srgbClr val="3F3F3F"/>
                 </a:solidFill>
@@ -22514,14 +22426,8 @@
                 <a:cs typeface="Cambria"/>
                 <a:sym typeface="Cambria"/>
               </a:rPr>
-              <a:t>Platform (Development Environment)</a:t>
+              <a:t>Future Enhancement</a:t>
             </a:r>
-            <a:endParaRPr sz="2400">
-              <a:latin typeface="Cambria"/>
-              <a:ea typeface="Cambria"/>
-              <a:cs typeface="Cambria"/>
-              <a:sym typeface="Cambria"/>
-            </a:endParaRPr>
           </a:p>
           <a:p>
             <a:pPr marL="463550" lvl="0" indent="-450850" algn="l" rtl="0">
@@ -22542,7 +22448,7 @@
               <a:buChar char="►"/>
             </a:pPr>
             <a:r>
-              <a:rPr lang="en-US" sz="2400" dirty="0">
+              <a:rPr lang="en-GB" sz="2400" dirty="0">
                 <a:solidFill>
                   <a:srgbClr val="3F3F3F"/>
                 </a:solidFill>
@@ -22553,12 +22459,6 @@
               </a:rPr>
               <a:t>Conclusion</a:t>
             </a:r>
-            <a:endParaRPr sz="2400">
-              <a:latin typeface="Cambria"/>
-              <a:ea typeface="Cambria"/>
-              <a:cs typeface="Cambria"/>
-              <a:sym typeface="Cambria"/>
-            </a:endParaRPr>
           </a:p>
         </p:txBody>
       </p:sp>
@@ -22711,7 +22611,7 @@
         <p:spPr>
           <a:xfrm>
             <a:off x="547587" y="1423702"/>
-            <a:ext cx="9766800" cy="4286700"/>
+            <a:ext cx="9766800" cy="3336811"/>
           </a:xfrm>
           <a:prstGeom prst="rect">
             <a:avLst/>
@@ -22745,33 +22645,14 @@
               <a:buChar char="►"/>
             </a:pPr>
             <a:r>
-              <a:rPr lang="en-US" sz="2400" dirty="0">
+              <a:rPr lang="en-GB" sz="2400" dirty="0">
                 <a:latin typeface="Cambria"/>
                 <a:ea typeface="Cambria"/>
                 <a:cs typeface="Cambria"/>
                 <a:sym typeface="Cambria"/>
               </a:rPr>
-              <a:t>This project aims to develop a File </a:t>
+              <a:t>Encryption is the process of converting information or data into a code, especially to prevent unauthorized access.</a:t>
             </a:r>
-            <a:r>
-              <a:rPr lang="en-US" sz="2400" dirty="0" err="1">
-                <a:latin typeface="Cambria"/>
-                <a:ea typeface="Cambria"/>
-                <a:cs typeface="Cambria"/>
-                <a:sym typeface="Cambria"/>
-              </a:rPr>
-              <a:t>Encryptor</a:t>
-            </a:r>
-            <a:r>
-              <a:rPr lang="en-US" sz="2400" dirty="0">
-                <a:latin typeface="Cambria"/>
-                <a:ea typeface="Cambria"/>
-                <a:cs typeface="Cambria"/>
-                <a:sym typeface="Cambria"/>
-              </a:rPr>
-              <a:t> in C++ that provides a secure way to encrypt and decrypt files using a key. </a:t>
-            </a:r>
-            <a:endParaRPr/>
           </a:p>
           <a:p>
             <a:pPr marL="474344" marR="5080" lvl="0" indent="-462279" algn="l" rtl="0">
@@ -22779,7 +22660,7 @@
                 <a:spcPct val="150000"/>
               </a:lnSpc>
               <a:spcBef>
-                <a:spcPts val="100"/>
+                <a:spcPts val="0"/>
               </a:spcBef>
               <a:spcAft>
                 <a:spcPts val="0"/>
@@ -22792,15 +22673,14 @@
               <a:buChar char="►"/>
             </a:pPr>
             <a:r>
-              <a:rPr lang="en-US" sz="2400" dirty="0">
+              <a:rPr lang="en-GB" sz="2400" dirty="0">
                 <a:latin typeface="Cambria"/>
                 <a:ea typeface="Cambria"/>
                 <a:cs typeface="Cambria"/>
                 <a:sym typeface="Cambria"/>
               </a:rPr>
-              <a:t>The application will utilize standard encryption algorithms, allowing users to safeguard sensitive data. </a:t>
+              <a:t>It uses algorithms and keys to transform the data, and only those with the correct decryption key can restore the original plaintext.</a:t>
             </a:r>
-            <a:endParaRPr/>
           </a:p>
           <a:p>
             <a:pPr marL="474344" marR="5080" lvl="0" indent="-462279" algn="l" rtl="0">
@@ -22808,7 +22688,7 @@
                 <a:spcPct val="150000"/>
               </a:lnSpc>
               <a:spcBef>
-                <a:spcPts val="100"/>
+                <a:spcPts val="0"/>
               </a:spcBef>
               <a:spcAft>
                 <a:spcPts val="0"/>
@@ -22821,38 +22701,14 @@
               <a:buChar char="►"/>
             </a:pPr>
             <a:r>
-              <a:rPr lang="en-US" sz="2400" dirty="0">
+              <a:rPr lang="en-GB" sz="2400" dirty="0">
                 <a:latin typeface="Cambria"/>
                 <a:ea typeface="Cambria"/>
                 <a:cs typeface="Cambria"/>
                 <a:sym typeface="Cambria"/>
               </a:rPr>
-              <a:t>The </a:t>
+              <a:t>This process is crucial for maintaining data confidentiality and integrity, especially during transmission and storage</a:t>
             </a:r>
-            <a:r>
-              <a:rPr lang="en-US" sz="2400" dirty="0" err="1">
-                <a:latin typeface="Cambria"/>
-                <a:ea typeface="Cambria"/>
-                <a:cs typeface="Cambria"/>
-                <a:sym typeface="Cambria"/>
-              </a:rPr>
-              <a:t>encryptor</a:t>
-            </a:r>
-            <a:r>
-              <a:rPr lang="en-US" sz="2400" dirty="0">
-                <a:latin typeface="Cambria"/>
-                <a:ea typeface="Cambria"/>
-                <a:cs typeface="Cambria"/>
-                <a:sym typeface="Cambria"/>
-              </a:rPr>
-              <a:t> will support a command-line interface (CLI) to ensure simple, quick operations, and its primary function will be to encrypt a file using a password-based key, ensuring that files remain inaccessible without the correct decryption key.</a:t>
-            </a:r>
-            <a:endParaRPr sz="2400">
-              <a:latin typeface="Cambria"/>
-              <a:ea typeface="Cambria"/>
-              <a:cs typeface="Cambria"/>
-              <a:sym typeface="Cambria"/>
-            </a:endParaRPr>
           </a:p>
         </p:txBody>
       </p:sp>
@@ -22928,10 +22784,10 @@
               <a:buNone/>
             </a:pPr>
             <a:r>
-              <a:rPr lang="en-US"/>
-              <a:t>Problem Statement</a:t>
+              <a:rPr lang="en-US" dirty="0"/>
+              <a:t>Objective</a:t>
             </a:r>
-            <a:endParaRPr/>
+            <a:endParaRPr dirty="0"/>
           </a:p>
         </p:txBody>
       </p:sp>
@@ -22947,8 +22803,8 @@
         </p:nvSpPr>
         <p:spPr>
           <a:xfrm>
-            <a:off x="1903412" y="1463040"/>
-            <a:ext cx="8915400" cy="3552254"/>
+            <a:off x="1828431" y="1118335"/>
+            <a:ext cx="8535137" cy="6999342"/>
           </a:xfrm>
           <a:prstGeom prst="rect">
             <a:avLst/>
@@ -22983,9 +22839,9 @@
             </a:pPr>
             <a:r>
               <a:rPr lang="en-US" sz="2400" dirty="0"/>
-              <a:t>Insecure Data Protection:</a:t>
+              <a:t>Confidentiality:</a:t>
             </a:r>
-            <a:endParaRPr sz="2400"/>
+            <a:endParaRPr sz="2400" dirty="0"/>
           </a:p>
           <a:p>
             <a:pPr marL="931544" marR="85090" lvl="1" indent="-462280" algn="l" rtl="0">
@@ -23006,7 +22862,7 @@
               <a:buChar char="►"/>
             </a:pPr>
             <a:r>
-              <a:rPr lang="en-US" sz="2200" dirty="0">
+              <a:rPr lang="en-GB" sz="2200" dirty="0">
                 <a:solidFill>
                   <a:srgbClr val="3F3F3F"/>
                 </a:solidFill>
@@ -23015,9 +22871,187 @@
                 <a:cs typeface="Cambria"/>
                 <a:sym typeface="Cambria"/>
               </a:rPr>
-              <a:t>With the increasing amount of sensitive data being stored and shared electronically, many individuals and organizations face the risk of unauthorized access to important files, leading to potential data breaches, identity theft, or privacy violations. The need for secure encryption methods to protect files during storage and transmission has become critical.</a:t>
+              <a:t>Ensure that only authorized users can access and read the information</a:t>
             </a:r>
-            <a:endParaRPr sz="2200">
+          </a:p>
+          <a:p>
+            <a:pPr marL="474344" lvl="0" indent="-461644">
+              <a:spcBef>
+                <a:spcPts val="0"/>
+              </a:spcBef>
+              <a:buClr>
+                <a:srgbClr val="5ECAEF"/>
+              </a:buClr>
+              <a:buSzPts val="1900"/>
+              <a:buFont typeface="Times New Roman"/>
+              <a:buChar char="►"/>
+            </a:pPr>
+            <a:r>
+              <a:rPr lang="en-GB" sz="2400" dirty="0"/>
+              <a:t>Data Integrity:</a:t>
+            </a:r>
+          </a:p>
+          <a:p>
+            <a:pPr marL="931544" marR="85090" lvl="1" indent="-462280">
+              <a:lnSpc>
+                <a:spcPct val="150000"/>
+              </a:lnSpc>
+              <a:spcBef>
+                <a:spcPts val="125"/>
+              </a:spcBef>
+              <a:buClr>
+                <a:srgbClr val="5ECAEF"/>
+              </a:buClr>
+              <a:buSzPts val="1900"/>
+              <a:buFont typeface="Times New Roman"/>
+              <a:buChar char="►"/>
+            </a:pPr>
+            <a:r>
+              <a:rPr lang="en-GB" sz="2200" dirty="0">
+                <a:latin typeface="Cambria"/>
+                <a:ea typeface="Cambria"/>
+                <a:cs typeface="Cambria"/>
+                <a:sym typeface="Cambria"/>
+              </a:rPr>
+              <a:t>Help detect if data has been tampered with or altered during transmission or storage.</a:t>
+            </a:r>
+          </a:p>
+          <a:p>
+            <a:pPr marL="931544" marR="85090" lvl="1" indent="-462280">
+              <a:lnSpc>
+                <a:spcPct val="150000"/>
+              </a:lnSpc>
+              <a:spcBef>
+                <a:spcPts val="125"/>
+              </a:spcBef>
+              <a:buClr>
+                <a:srgbClr val="5ECAEF"/>
+              </a:buClr>
+              <a:buSzPts val="1900"/>
+              <a:buFont typeface="Times New Roman"/>
+              <a:buChar char="►"/>
+            </a:pPr>
+            <a:r>
+              <a:rPr lang="en-GB" sz="2200" dirty="0">
+                <a:latin typeface="Cambria"/>
+                <a:ea typeface="Cambria"/>
+                <a:cs typeface="Cambria"/>
+                <a:sym typeface="Cambria"/>
+              </a:rPr>
+              <a:t>Some encryption methods include hashing or cryptographic signatures for this purpose</a:t>
+            </a:r>
+          </a:p>
+          <a:p>
+            <a:pPr marL="474344" lvl="0" indent="-461644">
+              <a:spcBef>
+                <a:spcPts val="0"/>
+              </a:spcBef>
+              <a:buClr>
+                <a:srgbClr val="5ECAEF"/>
+              </a:buClr>
+              <a:buSzPts val="1900"/>
+              <a:buFont typeface="Times New Roman"/>
+              <a:buChar char="►"/>
+            </a:pPr>
+            <a:r>
+              <a:rPr lang="en-GB" sz="2400" dirty="0"/>
+              <a:t>Authentication:</a:t>
+            </a:r>
+          </a:p>
+          <a:p>
+            <a:pPr marL="931544" marR="85090" lvl="1" indent="-462280">
+              <a:lnSpc>
+                <a:spcPct val="150000"/>
+              </a:lnSpc>
+              <a:spcBef>
+                <a:spcPts val="125"/>
+              </a:spcBef>
+              <a:buClr>
+                <a:srgbClr val="5ECAEF"/>
+              </a:buClr>
+              <a:buSzPts val="1900"/>
+              <a:buFont typeface="Times New Roman"/>
+              <a:buChar char="►"/>
+            </a:pPr>
+            <a:r>
+              <a:rPr lang="en-GB" sz="2200" dirty="0">
+                <a:latin typeface="Cambria"/>
+                <a:ea typeface="Cambria"/>
+                <a:cs typeface="Cambria"/>
+                <a:sym typeface="Cambria"/>
+              </a:rPr>
+              <a:t>Encryption can be used as part of authentication mechanisms, helping to verify the identity of the sender of data</a:t>
+            </a:r>
+          </a:p>
+          <a:p>
+            <a:pPr marL="931544" marR="85090" lvl="1" indent="-462280">
+              <a:lnSpc>
+                <a:spcPct val="150000"/>
+              </a:lnSpc>
+              <a:spcBef>
+                <a:spcPts val="125"/>
+              </a:spcBef>
+              <a:buClr>
+                <a:srgbClr val="5ECAEF"/>
+              </a:buClr>
+              <a:buSzPts val="1900"/>
+              <a:buFont typeface="Times New Roman"/>
+              <a:buChar char="►"/>
+            </a:pPr>
+            <a:endParaRPr lang="en-GB" sz="2200" dirty="0">
+              <a:latin typeface="Cambria"/>
+              <a:ea typeface="Cambria"/>
+              <a:cs typeface="Cambria"/>
+              <a:sym typeface="Cambria"/>
+            </a:endParaRPr>
+          </a:p>
+          <a:p>
+            <a:pPr marL="931544" marR="85090" lvl="1" indent="-462280" algn="l" rtl="0">
+              <a:lnSpc>
+                <a:spcPct val="150000"/>
+              </a:lnSpc>
+              <a:spcBef>
+                <a:spcPts val="125"/>
+              </a:spcBef>
+              <a:spcAft>
+                <a:spcPts val="0"/>
+              </a:spcAft>
+              <a:buClr>
+                <a:srgbClr val="5ECAEF"/>
+              </a:buClr>
+              <a:buSzPts val="1900"/>
+              <a:buFont typeface="Times New Roman"/>
+              <a:buChar char="►"/>
+            </a:pPr>
+            <a:endParaRPr lang="en-GB" sz="2200" dirty="0">
+              <a:solidFill>
+                <a:srgbClr val="3F3F3F"/>
+              </a:solidFill>
+              <a:latin typeface="Cambria"/>
+              <a:ea typeface="Cambria"/>
+              <a:cs typeface="Cambria"/>
+              <a:sym typeface="Cambria"/>
+            </a:endParaRPr>
+          </a:p>
+          <a:p>
+            <a:pPr marL="931544" marR="85090" lvl="1" indent="-462280" algn="l" rtl="0">
+              <a:lnSpc>
+                <a:spcPct val="150000"/>
+              </a:lnSpc>
+              <a:spcBef>
+                <a:spcPts val="125"/>
+              </a:spcBef>
+              <a:spcAft>
+                <a:spcPts val="0"/>
+              </a:spcAft>
+              <a:buClr>
+                <a:srgbClr val="5ECAEF"/>
+              </a:buClr>
+              <a:buSzPts val="1900"/>
+              <a:buFont typeface="Times New Roman"/>
+              <a:buChar char="►"/>
+            </a:pPr>
+            <a:endParaRPr sz="2200" dirty="0">
               <a:latin typeface="Cambria"/>
               <a:ea typeface="Cambria"/>
               <a:cs typeface="Cambria"/>
@@ -23551,19 +23585,7 @@
                 <a:cs typeface="Cambria"/>
                 <a:sym typeface="Cambria"/>
               </a:rPr>
-              <a:t>Traditional methods of storing and sharing files often lack proper security measures, making sensitive data vulnerable to unauthorized access. Our project aims to provide a robust encryption tool that ensures the protection of confidential </a:t>
-            </a:r>
-            <a:r>
-              <a:rPr lang="en-US" sz="2200" dirty="0" smtClean="0">
-                <a:solidFill>
-                  <a:srgbClr val="3F3F3F"/>
-                </a:solidFill>
-                <a:latin typeface="Cambria"/>
-                <a:ea typeface="Cambria"/>
-                <a:cs typeface="Cambria"/>
-                <a:sym typeface="Cambria"/>
-              </a:rPr>
-              <a:t>information.</a:t>
+              <a:t>Traditional methods of storing and sharing files often lack proper security measures, making sensitive data vulnerable to unauthorized access. Our project aims to provide a robust encryption tool that ensures the protection of confidential information.</a:t>
             </a:r>
             <a:endParaRPr sz="2200">
               <a:latin typeface="Cambria"/>

--- a/Documentation/final -File Encryptor In C++.pptx
+++ b/Documentation/final -File Encryptor In C++.pptx
@@ -286,7 +286,7 @@
       </p15:sldGuideLst>
     </p:ext>
     <p:ext uri="GoogleSlidesCustomDataVersion2">
-      <go:slidesCustomData xmlns:go="http://customooxmlschemas.google.com/" xmlns:ahyp="http://schemas.microsoft.com/office/drawing/2018/hyperlinkcolor" xmlns:p15="http://schemas.microsoft.com/office/powerpoint/2012/main" xmlns:p14="http://schemas.microsoft.com/office/powerpoint/2010/main" xmlns:com="http://schemas.openxmlformats.org/drawingml/2006/compatibility" xmlns:pvml="urn:schemas-microsoft-com:office:powerpoint" xmlns:v="urn:schemas-microsoft-com:vml" xmlns:o="urn:schemas-microsoft-com:office:office" xmlns:dgm="http://schemas.openxmlformats.org/drawingml/2006/diagram" xmlns:c="http://schemas.openxmlformats.org/drawingml/2006/chart" xmlns:mv="urn:schemas-microsoft-com:mac:vml" xmlns:mc="http://schemas.openxmlformats.org/markup-compatibility/2006" xmlns="" r:id="rId25" roundtripDataSignature="AMtx7miiVGhCrf2v17o/PY4/uoxnTXy3DQ=="/>
+      <go:slidesCustomData xmlns="" xmlns:mc="http://schemas.openxmlformats.org/markup-compatibility/2006" xmlns:mv="urn:schemas-microsoft-com:mac:vml" xmlns:c="http://schemas.openxmlformats.org/drawingml/2006/chart" xmlns:dgm="http://schemas.openxmlformats.org/drawingml/2006/diagram" xmlns:o="urn:schemas-microsoft-com:office:office" xmlns:v="urn:schemas-microsoft-com:vml" xmlns:pvml="urn:schemas-microsoft-com:office:powerpoint" xmlns:com="http://schemas.openxmlformats.org/drawingml/2006/compatibility" xmlns:p14="http://schemas.microsoft.com/office/powerpoint/2010/main" xmlns:p15="http://schemas.microsoft.com/office/powerpoint/2012/main" xmlns:ahyp="http://schemas.microsoft.com/office/drawing/2018/hyperlinkcolor" xmlns:go="http://customooxmlschemas.google.com/" r:id="rId25" roundtripDataSignature="AMtx7miiVGhCrf2v17o/PY4/uoxnTXy3DQ=="/>
     </p:ext>
   </p:extLst>
 </p:presentation>
@@ -20292,10 +20292,14 @@
               <a:buNone/>
             </a:pPr>
             <a:r>
-              <a:rPr lang="en-US" sz="4400" dirty="0"/>
+              <a:rPr lang="en-US" sz="4400" dirty="0">
+                <a:latin typeface="Calibri (body)"/>
+              </a:rPr>
               <a:t>File Encryptor In C++</a:t>
             </a:r>
-            <a:endParaRPr sz="4400" dirty="0"/>
+            <a:endParaRPr sz="4400" dirty="0">
+              <a:latin typeface="Calibri (body)"/>
+            </a:endParaRPr>
           </a:p>
         </p:txBody>
       </p:sp>
@@ -20341,7 +20345,7 @@
                 <a:solidFill>
                   <a:srgbClr val="7E7E7E"/>
                 </a:solidFill>
-                <a:latin typeface="Cambria"/>
+                <a:latin typeface="Calibri (body)"/>
                 <a:ea typeface="Cambria"/>
                 <a:cs typeface="Cambria"/>
                 <a:sym typeface="Cambria"/>
@@ -20349,7 +20353,7 @@
               <a:t>BCE III Semester</a:t>
             </a:r>
             <a:endParaRPr sz="2800" dirty="0">
-              <a:latin typeface="Cambria"/>
+              <a:latin typeface="Calibri (body)"/>
               <a:ea typeface="Cambria"/>
               <a:cs typeface="Cambria"/>
               <a:sym typeface="Cambria"/>
@@ -20373,7 +20377,7 @@
                 <a:solidFill>
                   <a:srgbClr val="7E7E7E"/>
                 </a:solidFill>
-                <a:latin typeface="Cambria"/>
+                <a:latin typeface="Calibri (body)"/>
                 <a:ea typeface="Cambria"/>
                 <a:cs typeface="Cambria"/>
                 <a:sym typeface="Cambria"/>
@@ -20399,7 +20403,7 @@
                 <a:solidFill>
                   <a:srgbClr val="7E7E7E"/>
                 </a:solidFill>
-                <a:latin typeface="Cambria"/>
+                <a:latin typeface="Calibri (body)"/>
                 <a:ea typeface="Cambria"/>
                 <a:cs typeface="Cambria"/>
                 <a:sym typeface="Cambria"/>
@@ -20425,7 +20429,7 @@
                 <a:solidFill>
                   <a:srgbClr val="7E7E7E"/>
                 </a:solidFill>
-                <a:latin typeface="Cambria"/>
+                <a:latin typeface="Calibri (body)"/>
                 <a:ea typeface="Cambria"/>
                 <a:cs typeface="Cambria"/>
                 <a:sym typeface="Cambria"/>
@@ -20437,7 +20441,7 @@
                 <a:solidFill>
                   <a:srgbClr val="7E7E7E"/>
                 </a:solidFill>
-                <a:latin typeface="Cambria"/>
+                <a:latin typeface="Calibri (body)"/>
                 <a:ea typeface="Cambria"/>
                 <a:cs typeface="Cambria"/>
                 <a:sym typeface="Cambria"/>
@@ -20449,7 +20453,7 @@
                 <a:solidFill>
                   <a:srgbClr val="7E7E7E"/>
                 </a:solidFill>
-                <a:latin typeface="Cambria"/>
+                <a:latin typeface="Calibri (body)"/>
                 <a:ea typeface="Cambria"/>
                 <a:cs typeface="Cambria"/>
                 <a:sym typeface="Cambria"/>
@@ -20471,7 +20475,7 @@
               <a:buNone/>
             </a:pPr>
             <a:endParaRPr sz="2000" dirty="0">
-              <a:latin typeface="Cambria"/>
+              <a:latin typeface="Calibri (body)"/>
               <a:ea typeface="Cambria"/>
               <a:cs typeface="Cambria"/>
               <a:sym typeface="Cambria"/>
@@ -20549,10 +20553,14 @@
               <a:buSzPts val="3600"/>
             </a:pPr>
             <a:r>
-              <a:rPr lang="en-GB" dirty="0"/>
+              <a:rPr lang="en-GB" b="1" dirty="0">
+                <a:latin typeface="Calibri (body)"/>
+              </a:rPr>
               <a:t>UML Diagrams</a:t>
             </a:r>
-            <a:endParaRPr b="1" dirty="0"/>
+            <a:endParaRPr b="1" dirty="0">
+              <a:latin typeface="Calibri (body)"/>
+            </a:endParaRPr>
           </a:p>
         </p:txBody>
       </p:sp>
@@ -20610,7 +20618,7 @@
             </a:pPr>
             <a:r>
               <a:rPr lang="en-GB" sz="2400" dirty="0">
-                <a:latin typeface="Cambria" panose="02040503050406030204" pitchFamily="18" charset="0"/>
+                <a:latin typeface="Calibri (body)"/>
                 <a:ea typeface="Cambria" panose="02040503050406030204" pitchFamily="18" charset="0"/>
               </a:rPr>
               <a:t>• Flowchart: Encryption/Decryption process</a:t>
@@ -20636,7 +20644,7 @@
             </a:pPr>
             <a:r>
               <a:rPr lang="en-GB" sz="2400" dirty="0">
-                <a:latin typeface="Cambria" panose="02040503050406030204" pitchFamily="18" charset="0"/>
+                <a:latin typeface="Calibri (body)"/>
                 <a:ea typeface="Cambria" panose="02040503050406030204" pitchFamily="18" charset="0"/>
               </a:rPr>
               <a:t>• Class Diagram: Core components</a:t>
@@ -20662,7 +20670,7 @@
             </a:pPr>
             <a:r>
               <a:rPr lang="en-GB" sz="2400" dirty="0">
-                <a:latin typeface="Cambria" panose="02040503050406030204" pitchFamily="18" charset="0"/>
+                <a:latin typeface="Calibri (body)"/>
                 <a:ea typeface="Cambria" panose="02040503050406030204" pitchFamily="18" charset="0"/>
               </a:rPr>
               <a:t>• Use Case: User interaction with system</a:t>
@@ -20688,7 +20696,7 @@
             </a:pPr>
             <a:r>
               <a:rPr lang="en-GB" sz="2400" dirty="0">
-                <a:latin typeface="Cambria" panose="02040503050406030204" pitchFamily="18" charset="0"/>
+                <a:latin typeface="Calibri (body)"/>
                 <a:ea typeface="Cambria" panose="02040503050406030204" pitchFamily="18" charset="0"/>
               </a:rPr>
               <a:t>• Activity / Sequence Diagrams</a:t>
@@ -20714,8 +20722,8 @@
         </p:nvSpPr>
         <p:spPr>
           <a:xfrm>
-            <a:off x="531812" y="787782"/>
-            <a:ext cx="779767" cy="365125"/>
+            <a:off x="531812" y="827228"/>
+            <a:ext cx="779767" cy="286232"/>
           </a:xfrm>
           <a:prstGeom prst="rect">
             <a:avLst/>
@@ -20744,7 +20752,9 @@
               <a:buNone/>
             </a:pPr>
             <a:fld id="{00000000-1234-1234-1234-123412341234}" type="slidenum">
-              <a:rPr lang="en-US"/>
+              <a:rPr lang="en-US">
+                <a:latin typeface="Calibri (body)"/>
+              </a:rPr>
               <a:pPr marL="173355" lvl="0" indent="0" algn="r" rtl="0">
                 <a:lnSpc>
                   <a:spcPct val="93000"/>
@@ -20759,7 +20769,9 @@
               </a:pPr>
               <a:t>10</a:t>
             </a:fld>
-            <a:endParaRPr/>
+            <a:endParaRPr>
+              <a:latin typeface="Calibri (body)"/>
+            </a:endParaRPr>
           </a:p>
         </p:txBody>
       </p:sp>
@@ -20838,10 +20850,14 @@
               <a:buSzPts val="3600"/>
             </a:pPr>
             <a:r>
-              <a:rPr lang="en-GB" dirty="0"/>
+              <a:rPr lang="en-GB" dirty="0">
+                <a:latin typeface="Calibri (body)"/>
+              </a:rPr>
               <a:t>Testing &amp; Debugging</a:t>
             </a:r>
-            <a:endParaRPr b="1" dirty="0"/>
+            <a:endParaRPr b="1" dirty="0">
+              <a:latin typeface="Calibri (body)"/>
+            </a:endParaRPr>
           </a:p>
         </p:txBody>
       </p:sp>
@@ -20898,8 +20914,8 @@
               <a:buChar char="►"/>
             </a:pPr>
             <a:r>
-              <a:rPr lang="en-GB" sz="2400" dirty="0">
-                <a:latin typeface="Cambria" panose="02040503050406030204" pitchFamily="18" charset="0"/>
+              <a:rPr lang="en-GB" sz="2400" b="1" dirty="0">
+                <a:latin typeface="Calibri (body)"/>
                 <a:ea typeface="Cambria" panose="02040503050406030204" pitchFamily="18" charset="0"/>
               </a:rPr>
               <a:t>Test Cases:</a:t>
@@ -20919,10 +20935,10 @@
             </a:pPr>
             <a:r>
               <a:rPr lang="en-GB" sz="2200" dirty="0">
-                <a:latin typeface="Cambria" panose="02040503050406030204" pitchFamily="18" charset="0"/>
+                <a:latin typeface="Calibri (body)"/>
                 <a:ea typeface="Cambria" panose="02040503050406030204" pitchFamily="18" charset="0"/>
               </a:rPr>
-              <a:t>• Encrypt &amp; Decrypt valid file ✅</a:t>
+              <a:t>Encrypt &amp; Decrypt valid file ✅</a:t>
             </a:r>
           </a:p>
           <a:p>
@@ -20939,10 +20955,10 @@
             </a:pPr>
             <a:r>
               <a:rPr lang="en-GB" sz="2200" dirty="0">
-                <a:latin typeface="Cambria" panose="02040503050406030204" pitchFamily="18" charset="0"/>
+                <a:latin typeface="Calibri (body)"/>
                 <a:ea typeface="Cambria" panose="02040503050406030204" pitchFamily="18" charset="0"/>
               </a:rPr>
-              <a:t>• Handle missing or invalid file ✅</a:t>
+              <a:t>Handle missing or invalid file ✅</a:t>
             </a:r>
           </a:p>
           <a:p>
@@ -20959,10 +20975,10 @@
             </a:pPr>
             <a:r>
               <a:rPr lang="en-GB" sz="2200" dirty="0">
-                <a:latin typeface="Cambria" panose="02040503050406030204" pitchFamily="18" charset="0"/>
+                <a:latin typeface="Calibri (body)"/>
                 <a:ea typeface="Cambria" panose="02040503050406030204" pitchFamily="18" charset="0"/>
               </a:rPr>
-              <a:t>• Display history ✅</a:t>
+              <a:t>Display history ✅</a:t>
             </a:r>
           </a:p>
           <a:p>
@@ -20984,8 +21000,8 @@
               <a:buChar char="►"/>
             </a:pPr>
             <a:r>
-              <a:rPr lang="en-GB" sz="2400" dirty="0">
-                <a:latin typeface="Cambria" panose="02040503050406030204" pitchFamily="18" charset="0"/>
+              <a:rPr lang="en-GB" sz="2400" b="1" dirty="0">
+                <a:latin typeface="Calibri (body)"/>
                 <a:ea typeface="Cambria" panose="02040503050406030204" pitchFamily="18" charset="0"/>
               </a:rPr>
               <a:t>Debugging Focus:</a:t>
@@ -21005,10 +21021,10 @@
             </a:pPr>
             <a:r>
               <a:rPr lang="en-GB" sz="2200" dirty="0">
-                <a:latin typeface="Cambria" panose="02040503050406030204" pitchFamily="18" charset="0"/>
+                <a:latin typeface="Calibri (body)"/>
                 <a:ea typeface="Cambria" panose="02040503050406030204" pitchFamily="18" charset="0"/>
               </a:rPr>
-              <a:t>• UI region click calibration</a:t>
+              <a:t>UI region click calibration</a:t>
             </a:r>
           </a:p>
           <a:p>
@@ -21025,10 +21041,10 @@
             </a:pPr>
             <a:r>
               <a:rPr lang="en-GB" sz="2200" dirty="0">
-                <a:latin typeface="Cambria" panose="02040503050406030204" pitchFamily="18" charset="0"/>
+                <a:latin typeface="Calibri (body)"/>
                 <a:ea typeface="Cambria" panose="02040503050406030204" pitchFamily="18" charset="0"/>
               </a:rPr>
-              <a:t>• Sound file path testing</a:t>
+              <a:t>Sound file path testing</a:t>
             </a:r>
           </a:p>
           <a:p>
@@ -21045,10 +21061,10 @@
             </a:pPr>
             <a:r>
               <a:rPr lang="en-GB" sz="2200" dirty="0">
-                <a:latin typeface="Cambria" panose="02040503050406030204" pitchFamily="18" charset="0"/>
+                <a:latin typeface="Calibri (body)"/>
                 <a:ea typeface="Cambria" panose="02040503050406030204" pitchFamily="18" charset="0"/>
               </a:rPr>
-              <a:t>• Edge cases (empty/special character files)</a:t>
+              <a:t>Edge cases (empty/special character files)</a:t>
             </a:r>
           </a:p>
           <a:p>
@@ -21070,7 +21086,7 @@
               <a:buChar char="►"/>
             </a:pPr>
             <a:endParaRPr lang="en-GB" sz="2400" dirty="0">
-              <a:latin typeface="Cambria" panose="02040503050406030204" pitchFamily="18" charset="0"/>
+              <a:latin typeface="Calibri (body)"/>
               <a:ea typeface="Cambria" panose="02040503050406030204" pitchFamily="18" charset="0"/>
             </a:endParaRPr>
           </a:p>
@@ -21094,8 +21110,8 @@
         </p:nvSpPr>
         <p:spPr>
           <a:xfrm>
-            <a:off x="531812" y="787782"/>
-            <a:ext cx="779767" cy="365125"/>
+            <a:off x="531812" y="827228"/>
+            <a:ext cx="779767" cy="286232"/>
           </a:xfrm>
           <a:prstGeom prst="rect">
             <a:avLst/>
@@ -21124,7 +21140,9 @@
               <a:buNone/>
             </a:pPr>
             <a:fld id="{00000000-1234-1234-1234-123412341234}" type="slidenum">
-              <a:rPr lang="en-US"/>
+              <a:rPr lang="en-US">
+                <a:latin typeface="Calibri (body)"/>
+              </a:rPr>
               <a:pPr marL="173355" lvl="0" indent="0" algn="r" rtl="0">
                 <a:lnSpc>
                   <a:spcPct val="93000"/>
@@ -21139,10 +21157,42 @@
               </a:pPr>
               <a:t>11</a:t>
             </a:fld>
-            <a:endParaRPr/>
+            <a:endParaRPr>
+              <a:latin typeface="Calibri (body)"/>
+            </a:endParaRPr>
           </a:p>
         </p:txBody>
       </p:sp>
+      <p:pic>
+        <p:nvPicPr>
+          <p:cNvPr id="3" name="Picture 2">
+            <a:extLst>
+              <a:ext uri="{FF2B5EF4-FFF2-40B4-BE49-F238E27FC236}">
+                <a16:creationId xmlns:a16="http://schemas.microsoft.com/office/drawing/2014/main" id="{C4893F32-9A25-974E-D43C-E87C8613E105}"/>
+              </a:ext>
+            </a:extLst>
+          </p:cNvPr>
+          <p:cNvPicPr>
+            <a:picLocks noChangeAspect="1"/>
+          </p:cNvPicPr>
+          <p:nvPr/>
+        </p:nvPicPr>
+        <p:blipFill>
+          <a:blip r:embed="rId3"/>
+          <a:stretch>
+            <a:fillRect/>
+          </a:stretch>
+        </p:blipFill>
+        <p:spPr>
+          <a:xfrm>
+            <a:off x="8118392" y="1113460"/>
+            <a:ext cx="3579866" cy="2987294"/>
+          </a:xfrm>
+          <a:prstGeom prst="rect">
+            <a:avLst/>
+          </a:prstGeom>
+        </p:spPr>
+      </p:pic>
     </p:spTree>
     <p:extLst>
       <p:ext uri="{BB962C8B-B14F-4D97-AF65-F5344CB8AC3E}">
@@ -21879,7 +21929,7 @@
               <a:buChar char="►"/>
             </a:pPr>
             <a:r>
-              <a:rPr lang="en-GB" sz="2400" dirty="0">
+              <a:rPr lang="en-GB" sz="2400" b="1" dirty="0">
                 <a:latin typeface="Cambria" panose="02040503050406030204" pitchFamily="18" charset="0"/>
                 <a:ea typeface="Cambria" panose="02040503050406030204" pitchFamily="18" charset="0"/>
               </a:rPr>
@@ -21950,19 +22000,8 @@
                 <a:latin typeface="Cambria" panose="02040503050406030204" pitchFamily="18" charset="0"/>
                 <a:ea typeface="Cambria" panose="02040503050406030204" pitchFamily="18" charset="0"/>
               </a:rPr>
-              <a:t>Aayush </a:t>
+              <a:t>Aayush Kumar Mallik</a:t>
             </a:r>
-            <a:r>
-              <a:rPr lang="en-GB" sz="2200">
-                <a:latin typeface="Cambria" panose="02040503050406030204" pitchFamily="18" charset="0"/>
-                <a:ea typeface="Cambria" panose="02040503050406030204" pitchFamily="18" charset="0"/>
-              </a:rPr>
-              <a:t>Kumar Mallik</a:t>
-            </a:r>
-            <a:endParaRPr lang="en-GB" sz="2200" dirty="0">
-              <a:latin typeface="Cambria" panose="02040503050406030204" pitchFamily="18" charset="0"/>
-              <a:ea typeface="Cambria" panose="02040503050406030204" pitchFamily="18" charset="0"/>
-            </a:endParaRPr>
           </a:p>
         </p:txBody>
       </p:sp>
@@ -22110,10 +22149,14 @@
               <a:buNone/>
             </a:pPr>
             <a:r>
-              <a:rPr lang="en-US" b="1" dirty="0"/>
+              <a:rPr lang="en-US" b="1" dirty="0">
+                <a:latin typeface="Calibri (body)"/>
+              </a:rPr>
               <a:t>Table of Content</a:t>
             </a:r>
-            <a:endParaRPr b="1" dirty="0"/>
+            <a:endParaRPr b="1" dirty="0">
+              <a:latin typeface="Calibri (body)"/>
+            </a:endParaRPr>
           </a:p>
         </p:txBody>
       </p:sp>
@@ -22129,8 +22172,8 @@
         </p:nvSpPr>
         <p:spPr>
           <a:xfrm>
-            <a:off x="531812" y="787782"/>
-            <a:ext cx="779767" cy="365125"/>
+            <a:off x="531812" y="827228"/>
+            <a:ext cx="779767" cy="286232"/>
           </a:xfrm>
           <a:prstGeom prst="rect">
             <a:avLst/>
@@ -22159,7 +22202,9 @@
               <a:buNone/>
             </a:pPr>
             <a:fld id="{00000000-1234-1234-1234-123412341234}" type="slidenum">
-              <a:rPr lang="en-US"/>
+              <a:rPr lang="en-US">
+                <a:latin typeface="Calibri (body)"/>
+              </a:rPr>
               <a:pPr marL="173355" lvl="0" indent="0" algn="r" rtl="0">
                 <a:lnSpc>
                   <a:spcPct val="93000"/>
@@ -22174,7 +22219,9 @@
               </a:pPr>
               <a:t>2</a:t>
             </a:fld>
-            <a:endParaRPr/>
+            <a:endParaRPr>
+              <a:latin typeface="Calibri (body)"/>
+            </a:endParaRPr>
           </a:p>
         </p:txBody>
       </p:sp>
@@ -22225,7 +22272,7 @@
                 <a:solidFill>
                   <a:srgbClr val="3F3F3F"/>
                 </a:solidFill>
-                <a:latin typeface="Cambria"/>
+                <a:latin typeface="Calibri (body)"/>
                 <a:ea typeface="Cambria"/>
                 <a:cs typeface="Cambria"/>
                 <a:sym typeface="Cambria"/>
@@ -22256,7 +22303,7 @@
                 <a:solidFill>
                   <a:srgbClr val="3F3F3F"/>
                 </a:solidFill>
-                <a:latin typeface="Cambria"/>
+                <a:latin typeface="Calibri (body)"/>
                 <a:ea typeface="Cambria"/>
                 <a:cs typeface="Cambria"/>
                 <a:sym typeface="Cambria"/>
@@ -22287,7 +22334,7 @@
                 <a:solidFill>
                   <a:srgbClr val="3F3F3F"/>
                 </a:solidFill>
-                <a:latin typeface="Cambria"/>
+                <a:latin typeface="Calibri (body)"/>
                 <a:ea typeface="Cambria"/>
                 <a:cs typeface="Cambria"/>
                 <a:sym typeface="Cambria"/>
@@ -22318,7 +22365,7 @@
                 <a:solidFill>
                   <a:srgbClr val="3F3F3F"/>
                 </a:solidFill>
-                <a:latin typeface="Cambria"/>
+                <a:latin typeface="Calibri (body)"/>
                 <a:ea typeface="Cambria"/>
                 <a:cs typeface="Cambria"/>
                 <a:sym typeface="Cambria"/>
@@ -22349,7 +22396,7 @@
                 <a:solidFill>
                   <a:srgbClr val="3F3F3F"/>
                 </a:solidFill>
-                <a:latin typeface="Cambria"/>
+                <a:latin typeface="Calibri (body)"/>
                 <a:ea typeface="Cambria"/>
                 <a:cs typeface="Cambria"/>
                 <a:sym typeface="Cambria"/>
@@ -22380,7 +22427,7 @@
                 <a:solidFill>
                   <a:srgbClr val="3F3F3F"/>
                 </a:solidFill>
-                <a:latin typeface="Cambria"/>
+                <a:latin typeface="Calibri (body)"/>
                 <a:ea typeface="Cambria"/>
                 <a:cs typeface="Cambria"/>
                 <a:sym typeface="Cambria"/>
@@ -22411,7 +22458,7 @@
                 <a:solidFill>
                   <a:srgbClr val="3F3F3F"/>
                 </a:solidFill>
-                <a:latin typeface="Cambria"/>
+                <a:latin typeface="Calibri (body)"/>
                 <a:ea typeface="Cambria"/>
                 <a:cs typeface="Cambria"/>
                 <a:sym typeface="Cambria"/>
@@ -22442,7 +22489,7 @@
                 <a:solidFill>
                   <a:srgbClr val="3F3F3F"/>
                 </a:solidFill>
-                <a:latin typeface="Cambria"/>
+                <a:latin typeface="Calibri (body)"/>
                 <a:ea typeface="Cambria"/>
                 <a:cs typeface="Cambria"/>
                 <a:sym typeface="Cambria"/>
@@ -22473,7 +22520,7 @@
                 <a:solidFill>
                   <a:srgbClr val="3F3F3F"/>
                 </a:solidFill>
-                <a:latin typeface="Cambria"/>
+                <a:latin typeface="Calibri (body)"/>
                 <a:ea typeface="Cambria"/>
                 <a:cs typeface="Cambria"/>
                 <a:sym typeface="Cambria"/>
@@ -22504,7 +22551,7 @@
                 <a:solidFill>
                   <a:srgbClr val="3F3F3F"/>
                 </a:solidFill>
-                <a:latin typeface="Cambria"/>
+                <a:latin typeface="Calibri (body)"/>
                 <a:ea typeface="Cambria"/>
                 <a:cs typeface="Cambria"/>
                 <a:sym typeface="Cambria"/>
@@ -22535,7 +22582,7 @@
                 <a:solidFill>
                   <a:srgbClr val="3F3F3F"/>
                 </a:solidFill>
-                <a:latin typeface="Cambria"/>
+                <a:latin typeface="Calibri (body)"/>
                 <a:ea typeface="Cambria"/>
                 <a:cs typeface="Cambria"/>
                 <a:sym typeface="Cambria"/>
@@ -22617,10 +22664,14 @@
               <a:buNone/>
             </a:pPr>
             <a:r>
-              <a:rPr lang="en-US" b="1" dirty="0"/>
+              <a:rPr lang="en-US" b="1" dirty="0">
+                <a:latin typeface="Calibri (body)"/>
+              </a:rPr>
               <a:t>Introduction</a:t>
             </a:r>
-            <a:endParaRPr b="1" dirty="0"/>
+            <a:endParaRPr b="1" dirty="0">
+              <a:latin typeface="Calibri (body)"/>
+            </a:endParaRPr>
           </a:p>
         </p:txBody>
       </p:sp>
@@ -22729,7 +22780,7 @@
             </a:pPr>
             <a:r>
               <a:rPr lang="en-GB" sz="2400" dirty="0">
-                <a:latin typeface="Cambria"/>
+                <a:latin typeface="Calibri (body)"/>
                 <a:ea typeface="Cambria"/>
                 <a:cs typeface="Cambria"/>
                 <a:sym typeface="Cambria"/>
@@ -22757,7 +22808,7 @@
             </a:pPr>
             <a:r>
               <a:rPr lang="en-GB" sz="2400" dirty="0">
-                <a:latin typeface="Cambria"/>
+                <a:latin typeface="Calibri (body)"/>
                 <a:ea typeface="Cambria"/>
                 <a:cs typeface="Cambria"/>
                 <a:sym typeface="Cambria"/>
@@ -22785,7 +22836,7 @@
             </a:pPr>
             <a:r>
               <a:rPr lang="en-GB" sz="2400" dirty="0">
-                <a:latin typeface="Cambria"/>
+                <a:latin typeface="Calibri (body)"/>
                 <a:ea typeface="Cambria"/>
                 <a:cs typeface="Cambria"/>
                 <a:sym typeface="Cambria"/>
@@ -22812,7 +22863,7 @@
               <a:buChar char="►"/>
             </a:pPr>
             <a:endParaRPr lang="en-GB" sz="2400" dirty="0">
-              <a:latin typeface="Cambria"/>
+              <a:latin typeface="Calibri (body)"/>
               <a:ea typeface="Cambria"/>
               <a:cs typeface="Cambria"/>
               <a:sym typeface="Cambria"/>
@@ -22892,10 +22943,14 @@
               <a:buNone/>
             </a:pPr>
             <a:r>
-              <a:rPr lang="en-US" b="1" dirty="0"/>
+              <a:rPr lang="en-US" b="1" dirty="0">
+                <a:latin typeface="Calibri (body)"/>
+              </a:rPr>
               <a:t>Objective</a:t>
             </a:r>
-            <a:endParaRPr b="1" dirty="0"/>
+            <a:endParaRPr b="1" dirty="0">
+              <a:latin typeface="Calibri (body)"/>
+            </a:endParaRPr>
           </a:p>
         </p:txBody>
       </p:sp>
@@ -22946,10 +23001,14 @@
               <a:buChar char="►"/>
             </a:pPr>
             <a:r>
-              <a:rPr lang="en-US" sz="2400" dirty="0"/>
+              <a:rPr lang="en-US" sz="2400" b="1" dirty="0">
+                <a:latin typeface="Calibri (body)"/>
+              </a:rPr>
               <a:t>Confidentiality:</a:t>
             </a:r>
-            <a:endParaRPr sz="2400" dirty="0"/>
+            <a:endParaRPr sz="2400" b="1" dirty="0">
+              <a:latin typeface="Calibri (body)"/>
+            </a:endParaRPr>
           </a:p>
           <a:p>
             <a:pPr marL="931544" marR="85090" lvl="1" indent="-462280">
@@ -22968,7 +23027,7 @@
             </a:pPr>
             <a:r>
               <a:rPr lang="en-GB" sz="2400" dirty="0">
-                <a:latin typeface="Cambria" panose="02040503050406030204" pitchFamily="18" charset="0"/>
+                <a:latin typeface="Calibri (body)"/>
                 <a:ea typeface="Cambria" panose="02040503050406030204" pitchFamily="18" charset="0"/>
               </a:rPr>
               <a:t>Protect data from unauthorized access</a:t>
@@ -22977,7 +23036,7 @@
               <a:solidFill>
                 <a:srgbClr val="3F3F3F"/>
               </a:solidFill>
-              <a:latin typeface="Cambria" panose="02040503050406030204" pitchFamily="18" charset="0"/>
+              <a:latin typeface="Calibri (body)"/>
               <a:ea typeface="Cambria" panose="02040503050406030204" pitchFamily="18" charset="0"/>
               <a:cs typeface="Cambria"/>
               <a:sym typeface="Cambria"/>
@@ -22996,7 +23055,9 @@
               <a:buChar char="►"/>
             </a:pPr>
             <a:r>
-              <a:rPr lang="en-GB" sz="2400" dirty="0"/>
+              <a:rPr lang="en-GB" sz="2400" b="1" dirty="0">
+                <a:latin typeface="Calibri (body)"/>
+              </a:rPr>
               <a:t>Data Integrity:</a:t>
             </a:r>
           </a:p>
@@ -23017,7 +23078,7 @@
             </a:pPr>
             <a:r>
               <a:rPr lang="en-GB" sz="2200" dirty="0">
-                <a:latin typeface="Cambria"/>
+                <a:latin typeface="Calibri (body)"/>
                 <a:ea typeface="Cambria"/>
                 <a:cs typeface="Cambria"/>
                 <a:sym typeface="Cambria"/>
@@ -23038,7 +23099,9 @@
               <a:buChar char="►"/>
             </a:pPr>
             <a:r>
-              <a:rPr lang="en-GB" sz="2400" dirty="0"/>
+              <a:rPr lang="en-GB" sz="2400" b="1" dirty="0">
+                <a:latin typeface="Calibri (body)"/>
+              </a:rPr>
               <a:t>Access Control:</a:t>
             </a:r>
           </a:p>
@@ -23059,7 +23122,7 @@
             </a:pPr>
             <a:r>
               <a:rPr lang="en-GB" sz="2200" dirty="0">
-                <a:latin typeface="Cambria"/>
+                <a:latin typeface="Calibri (body)"/>
                 <a:ea typeface="Cambria"/>
                 <a:cs typeface="Cambria"/>
                 <a:sym typeface="Cambria"/>
@@ -23080,7 +23143,9 @@
               <a:buChar char="►"/>
             </a:pPr>
             <a:r>
-              <a:rPr lang="en-GB" sz="2400" dirty="0"/>
+              <a:rPr lang="en-GB" sz="2400" b="1" dirty="0">
+                <a:latin typeface="Calibri (body)"/>
+              </a:rPr>
               <a:t>Secure Storage &amp; Communication:</a:t>
             </a:r>
           </a:p>
@@ -23099,7 +23164,9 @@
               <a:buFont typeface="Times New Roman"/>
               <a:buChar char="►"/>
             </a:pPr>
-            <a:endParaRPr lang="en-GB" sz="2400" dirty="0"/>
+            <a:endParaRPr lang="en-GB" sz="2400" dirty="0">
+              <a:latin typeface="Calibri (body)"/>
+            </a:endParaRPr>
           </a:p>
           <a:p>
             <a:pPr marL="931544" marR="85090" lvl="1" indent="-462280">
@@ -23117,7 +23184,7 @@
               <a:buChar char="►"/>
             </a:pPr>
             <a:endParaRPr lang="en-GB" sz="2200" dirty="0">
-              <a:latin typeface="Cambria"/>
+              <a:latin typeface="Calibri (body)"/>
               <a:ea typeface="Cambria"/>
               <a:cs typeface="Cambria"/>
               <a:sym typeface="Cambria"/>
@@ -23145,7 +23212,7 @@
               <a:solidFill>
                 <a:srgbClr val="3F3F3F"/>
               </a:solidFill>
-              <a:latin typeface="Cambria"/>
+              <a:latin typeface="Calibri (body)"/>
               <a:ea typeface="Cambria"/>
               <a:cs typeface="Cambria"/>
               <a:sym typeface="Cambria"/>
@@ -23170,7 +23237,7 @@
               <a:buChar char="►"/>
             </a:pPr>
             <a:endParaRPr sz="2200" dirty="0">
-              <a:latin typeface="Cambria"/>
+              <a:latin typeface="Calibri (body)"/>
               <a:ea typeface="Cambria"/>
               <a:cs typeface="Cambria"/>
               <a:sym typeface="Cambria"/>
@@ -23323,10 +23390,14 @@
               <a:buNone/>
             </a:pPr>
             <a:r>
-              <a:rPr lang="en-US" b="1" dirty="0"/>
+              <a:rPr lang="en-US" b="1" dirty="0">
+                <a:latin typeface="Calibri (body)"/>
+              </a:rPr>
               <a:t>Features</a:t>
             </a:r>
-            <a:endParaRPr b="1" dirty="0"/>
+            <a:endParaRPr b="1" dirty="0">
+              <a:latin typeface="Calibri (body)"/>
+            </a:endParaRPr>
           </a:p>
         </p:txBody>
       </p:sp>
@@ -23349,7 +23420,7 @@
         <p:spPr>
           <a:xfrm>
             <a:off x="1828432" y="1118335"/>
-            <a:ext cx="8487144" cy="2952080"/>
+            <a:ext cx="8487144" cy="2431425"/>
           </a:xfrm>
           <a:prstGeom prst="rect">
             <a:avLst/>
@@ -23384,7 +23455,7 @@
             </a:pPr>
             <a:r>
               <a:rPr lang="en-US" sz="2400" dirty="0">
-                <a:latin typeface="Cambria" panose="02040503050406030204" pitchFamily="18" charset="0"/>
+                <a:latin typeface="Calibri (body)"/>
                 <a:ea typeface="Cambria" panose="02040503050406030204" pitchFamily="18" charset="0"/>
               </a:rPr>
               <a:t>Caesar Cipher-based encryption and decryption</a:t>
@@ -23410,35 +23481,35 @@
             </a:pPr>
             <a:r>
               <a:rPr lang="en-US" sz="2400" dirty="0">
-                <a:latin typeface="Cambria" panose="02040503050406030204" pitchFamily="18" charset="0"/>
+                <a:latin typeface="Calibri (body)"/>
                 <a:ea typeface="Cambria" panose="02040503050406030204" pitchFamily="18" charset="0"/>
               </a:rPr>
               <a:t>GUI using </a:t>
             </a:r>
             <a:r>
               <a:rPr lang="en-US" sz="2400" dirty="0" err="1">
-                <a:latin typeface="Cambria" panose="02040503050406030204" pitchFamily="18" charset="0"/>
+                <a:latin typeface="Calibri (body)"/>
                 <a:ea typeface="Cambria" panose="02040503050406030204" pitchFamily="18" charset="0"/>
               </a:rPr>
               <a:t>WinBGIm</a:t>
             </a:r>
             <a:r>
               <a:rPr lang="en-US" sz="2400" dirty="0">
-                <a:latin typeface="Cambria" panose="02040503050406030204" pitchFamily="18" charset="0"/>
+                <a:latin typeface="Calibri (body)"/>
                 <a:ea typeface="Cambria" panose="02040503050406030204" pitchFamily="18" charset="0"/>
               </a:rPr>
               <a:t> (</a:t>
             </a:r>
             <a:r>
               <a:rPr lang="en-US" sz="2400" dirty="0" err="1">
-                <a:latin typeface="Cambria" panose="02040503050406030204" pitchFamily="18" charset="0"/>
+                <a:latin typeface="Calibri (body)"/>
                 <a:ea typeface="Cambria" panose="02040503050406030204" pitchFamily="18" charset="0"/>
               </a:rPr>
               <a:t>graphics.h</a:t>
             </a:r>
             <a:r>
               <a:rPr lang="en-US" sz="2400" dirty="0">
-                <a:latin typeface="Cambria" panose="02040503050406030204" pitchFamily="18" charset="0"/>
+                <a:latin typeface="Calibri (body)"/>
                 <a:ea typeface="Cambria" panose="02040503050406030204" pitchFamily="18" charset="0"/>
               </a:rPr>
               <a:t>)</a:t>
@@ -23464,7 +23535,7 @@
             </a:pPr>
             <a:r>
               <a:rPr lang="en-US" sz="2400" dirty="0">
-                <a:latin typeface="Cambria" panose="02040503050406030204" pitchFamily="18" charset="0"/>
+                <a:latin typeface="Calibri (body)"/>
                 <a:ea typeface="Cambria" panose="02040503050406030204" pitchFamily="18" charset="0"/>
               </a:rPr>
               <a:t>File selection via dialog box</a:t>
@@ -23490,7 +23561,7 @@
             </a:pPr>
             <a:r>
               <a:rPr lang="en-US" sz="2400" dirty="0">
-                <a:latin typeface="Cambria" panose="02040503050406030204" pitchFamily="18" charset="0"/>
+                <a:latin typeface="Calibri (body)"/>
                 <a:ea typeface="Cambria" panose="02040503050406030204" pitchFamily="18" charset="0"/>
               </a:rPr>
               <a:t>Loading animation and sound feedback</a:t>
@@ -23516,7 +23587,7 @@
             </a:pPr>
             <a:r>
               <a:rPr lang="en-US" sz="2400" dirty="0">
-                <a:latin typeface="Cambria" panose="02040503050406030204" pitchFamily="18" charset="0"/>
+                <a:latin typeface="Calibri (body)"/>
                 <a:ea typeface="Cambria" panose="02040503050406030204" pitchFamily="18" charset="0"/>
               </a:rPr>
               <a:t>History log (history.txt)</a:t>
@@ -23542,7 +23613,7 @@
             </a:pPr>
             <a:r>
               <a:rPr lang="en-US" sz="2400" dirty="0">
-                <a:latin typeface="Cambria" panose="02040503050406030204" pitchFamily="18" charset="0"/>
+                <a:latin typeface="Calibri (body)"/>
                 <a:ea typeface="Cambria" panose="02040503050406030204" pitchFamily="18" charset="0"/>
               </a:rPr>
               <a:t>Error handling and visual confirmation</a:t>
@@ -23551,32 +23622,7 @@
               <a:solidFill>
                 <a:srgbClr val="3F3F3F"/>
               </a:solidFill>
-              <a:latin typeface="Cambria"/>
-              <a:ea typeface="Cambria"/>
-              <a:cs typeface="Cambria"/>
-              <a:sym typeface="Cambria"/>
-            </a:endParaRPr>
-          </a:p>
-          <a:p>
-            <a:pPr marL="931544" marR="85090" lvl="1" indent="-462280" algn="l" rtl="0">
-              <a:lnSpc>
-                <a:spcPct val="150000"/>
-              </a:lnSpc>
-              <a:spcBef>
-                <a:spcPts val="125"/>
-              </a:spcBef>
-              <a:spcAft>
-                <a:spcPts val="0"/>
-              </a:spcAft>
-              <a:buClr>
-                <a:srgbClr val="5ECAEF"/>
-              </a:buClr>
-              <a:buSzPts val="1900"/>
-              <a:buFont typeface="Times New Roman"/>
-              <a:buChar char="►"/>
-            </a:pPr>
-            <a:endParaRPr sz="2200" dirty="0">
-              <a:latin typeface="Cambria"/>
+              <a:latin typeface="Calibri (body)"/>
               <a:ea typeface="Cambria"/>
               <a:cs typeface="Cambria"/>
               <a:sym typeface="Cambria"/>
@@ -23726,10 +23772,14 @@
               <a:buSzPts val="3600"/>
             </a:pPr>
             <a:r>
-              <a:rPr lang="en-GB" dirty="0"/>
+              <a:rPr lang="en-GB" b="1" dirty="0">
+                <a:latin typeface="Calibri (body)"/>
+              </a:rPr>
               <a:t>Problem Statement</a:t>
             </a:r>
-            <a:endParaRPr b="1" dirty="0"/>
+            <a:endParaRPr b="1" dirty="0">
+              <a:latin typeface="Calibri (body)"/>
+            </a:endParaRPr>
           </a:p>
         </p:txBody>
       </p:sp>
@@ -23787,7 +23837,7 @@
             </a:pPr>
             <a:r>
               <a:rPr lang="en-GB" sz="2400" dirty="0">
-                <a:latin typeface="Cambria" panose="02040503050406030204" pitchFamily="18" charset="0"/>
+                <a:latin typeface="Calibri (body)"/>
                 <a:ea typeface="Cambria" panose="02040503050406030204" pitchFamily="18" charset="0"/>
               </a:rPr>
               <a:t>Many users lack access to simple encryption tools.</a:t>
@@ -23813,7 +23863,7 @@
             </a:pPr>
             <a:r>
               <a:rPr lang="en-GB" sz="2400" dirty="0">
-                <a:latin typeface="Cambria" panose="02040503050406030204" pitchFamily="18" charset="0"/>
+                <a:latin typeface="Calibri (body)"/>
                 <a:ea typeface="Cambria" panose="02040503050406030204" pitchFamily="18" charset="0"/>
               </a:rPr>
               <a:t>Existing solutions are often complex, paid, or require internet access.</a:t>
@@ -23839,7 +23889,7 @@
             </a:pPr>
             <a:r>
               <a:rPr lang="en-GB" sz="2400" dirty="0">
-                <a:latin typeface="Cambria" panose="02040503050406030204" pitchFamily="18" charset="0"/>
+                <a:latin typeface="Calibri (body)"/>
                 <a:ea typeface="Cambria" panose="02040503050406030204" pitchFamily="18" charset="0"/>
               </a:rPr>
               <a:t>This tool bridges that gap by offering a lightweight, offline, and beginner-friendly solution.</a:t>
@@ -23866,7 +23916,7 @@
               <a:solidFill>
                 <a:srgbClr val="3F3F3F"/>
               </a:solidFill>
-              <a:latin typeface="Cambria"/>
+              <a:latin typeface="Calibri (body)"/>
               <a:ea typeface="Cambria"/>
               <a:cs typeface="Cambria"/>
               <a:sym typeface="Cambria"/>
@@ -23892,8 +23942,8 @@
         </p:nvSpPr>
         <p:spPr>
           <a:xfrm>
-            <a:off x="531812" y="787782"/>
-            <a:ext cx="779767" cy="365125"/>
+            <a:off x="531812" y="827228"/>
+            <a:ext cx="779767" cy="286232"/>
           </a:xfrm>
           <a:prstGeom prst="rect">
             <a:avLst/>
@@ -23922,7 +23972,9 @@
               <a:buNone/>
             </a:pPr>
             <a:fld id="{00000000-1234-1234-1234-123412341234}" type="slidenum">
-              <a:rPr lang="en-US"/>
+              <a:rPr lang="en-US">
+                <a:latin typeface="Calibri (body)"/>
+              </a:rPr>
               <a:pPr marL="173355" lvl="0" indent="0" algn="r" rtl="0">
                 <a:lnSpc>
                   <a:spcPct val="93000"/>
@@ -23937,7 +23989,9 @@
               </a:pPr>
               <a:t>6</a:t>
             </a:fld>
-            <a:endParaRPr/>
+            <a:endParaRPr>
+              <a:latin typeface="Calibri (body)"/>
+            </a:endParaRPr>
           </a:p>
         </p:txBody>
       </p:sp>
@@ -24016,10 +24070,14 @@
               <a:buSzPts val="3600"/>
             </a:pPr>
             <a:r>
-              <a:rPr lang="en-GB" dirty="0"/>
+              <a:rPr lang="en-GB" b="1" dirty="0">
+                <a:latin typeface="Calibri (body)"/>
+              </a:rPr>
               <a:t>Methodology</a:t>
             </a:r>
-            <a:endParaRPr b="1" dirty="0"/>
+            <a:endParaRPr b="1" dirty="0">
+              <a:latin typeface="Calibri (body)"/>
+            </a:endParaRPr>
           </a:p>
         </p:txBody>
       </p:sp>
@@ -24077,7 +24135,7 @@
             </a:pPr>
             <a:r>
               <a:rPr lang="en-GB" sz="2400" dirty="0">
-                <a:latin typeface="Cambria" panose="02040503050406030204" pitchFamily="18" charset="0"/>
+                <a:latin typeface="Calibri (body)"/>
                 <a:ea typeface="Cambria" panose="02040503050406030204" pitchFamily="18" charset="0"/>
               </a:rPr>
               <a:t>Development Approach: Agile + Modular Prototyping</a:t>
@@ -24102,11 +24160,18 @@
               <a:buChar char="►"/>
             </a:pPr>
             <a:r>
-              <a:rPr lang="en-GB" sz="2400" dirty="0">
-                <a:latin typeface="Cambria" panose="02040503050406030204" pitchFamily="18" charset="0"/>
+              <a:rPr lang="en-GB" sz="2400" b="1" dirty="0">
+                <a:latin typeface="Calibri (body)"/>
                 <a:ea typeface="Cambria" panose="02040503050406030204" pitchFamily="18" charset="0"/>
               </a:rPr>
-              <a:t>• Sprints for: Cipher Logic → File I/O → GUI → Sound/History</a:t>
+              <a:t>Sprints for: </a:t>
+            </a:r>
+            <a:r>
+              <a:rPr lang="en-GB" sz="2400" dirty="0">
+                <a:latin typeface="Calibri (body)"/>
+                <a:ea typeface="Cambria" panose="02040503050406030204" pitchFamily="18" charset="0"/>
+              </a:rPr>
+              <a:t>Cipher Logic → File I/O → GUI → Sound/History</a:t>
             </a:r>
           </a:p>
           <a:p>
@@ -24129,10 +24194,10 @@
             </a:pPr>
             <a:r>
               <a:rPr lang="en-GB" sz="2400" dirty="0">
-                <a:latin typeface="Cambria" panose="02040503050406030204" pitchFamily="18" charset="0"/>
+                <a:latin typeface="Calibri (body)"/>
                 <a:ea typeface="Cambria" panose="02040503050406030204" pitchFamily="18" charset="0"/>
               </a:rPr>
-              <a:t>• Early console prototypes for logic validation</a:t>
+              <a:t>Early console prototypes for logic validation</a:t>
             </a:r>
           </a:p>
           <a:p>
@@ -24155,10 +24220,10 @@
             </a:pPr>
             <a:r>
               <a:rPr lang="en-GB" sz="2400" dirty="0">
-                <a:latin typeface="Cambria" panose="02040503050406030204" pitchFamily="18" charset="0"/>
+                <a:latin typeface="Calibri (body)"/>
                 <a:ea typeface="Cambria" panose="02040503050406030204" pitchFamily="18" charset="0"/>
               </a:rPr>
-              <a:t>• Peer feedback for usability</a:t>
+              <a:t>Peer feedback for usability</a:t>
             </a:r>
           </a:p>
           <a:p>
@@ -24183,7 +24248,7 @@
               <a:solidFill>
                 <a:srgbClr val="3F3F3F"/>
               </a:solidFill>
-              <a:latin typeface="Cambria"/>
+              <a:latin typeface="Calibri (body)"/>
               <a:ea typeface="Cambria"/>
               <a:cs typeface="Cambria"/>
               <a:sym typeface="Cambria"/>
@@ -24209,8 +24274,8 @@
         </p:nvSpPr>
         <p:spPr>
           <a:xfrm>
-            <a:off x="531812" y="787782"/>
-            <a:ext cx="779767" cy="365125"/>
+            <a:off x="531812" y="827228"/>
+            <a:ext cx="779767" cy="286232"/>
           </a:xfrm>
           <a:prstGeom prst="rect">
             <a:avLst/>
@@ -24239,7 +24304,9 @@
               <a:buNone/>
             </a:pPr>
             <a:fld id="{00000000-1234-1234-1234-123412341234}" type="slidenum">
-              <a:rPr lang="en-US"/>
+              <a:rPr lang="en-US">
+                <a:latin typeface="Calibri (body)"/>
+              </a:rPr>
               <a:pPr marL="173355" lvl="0" indent="0" algn="r" rtl="0">
                 <a:lnSpc>
                   <a:spcPct val="93000"/>
@@ -24254,7 +24321,9 @@
               </a:pPr>
               <a:t>7</a:t>
             </a:fld>
-            <a:endParaRPr/>
+            <a:endParaRPr>
+              <a:latin typeface="Calibri (body)"/>
+            </a:endParaRPr>
           </a:p>
         </p:txBody>
       </p:sp>
@@ -24333,10 +24402,14 @@
               <a:buSzPts val="3600"/>
             </a:pPr>
             <a:r>
-              <a:rPr lang="en-GB" dirty="0"/>
+              <a:rPr lang="en-GB" b="1" dirty="0">
+                <a:latin typeface="Calibri (body)"/>
+              </a:rPr>
               <a:t>Tools &amp; Technologies</a:t>
             </a:r>
-            <a:endParaRPr b="1" dirty="0"/>
+            <a:endParaRPr b="1" dirty="0">
+              <a:latin typeface="Calibri (body)"/>
+            </a:endParaRPr>
           </a:p>
         </p:txBody>
       </p:sp>
@@ -24394,7 +24467,7 @@
             </a:pPr>
             <a:r>
               <a:rPr lang="en-GB" sz="2400" dirty="0">
-                <a:latin typeface="Cambria" panose="02040503050406030204" pitchFamily="18" charset="0"/>
+                <a:latin typeface="Calibri (body)"/>
                 <a:ea typeface="Cambria" panose="02040503050406030204" pitchFamily="18" charset="0"/>
               </a:rPr>
               <a:t>C++ - Core language</a:t>
@@ -24420,7 +24493,7 @@
             </a:pPr>
             <a:r>
               <a:rPr lang="en-GB" sz="2400" dirty="0">
-                <a:latin typeface="Cambria" panose="02040503050406030204" pitchFamily="18" charset="0"/>
+                <a:latin typeface="Calibri (body)"/>
                 <a:ea typeface="Cambria" panose="02040503050406030204" pitchFamily="18" charset="0"/>
               </a:rPr>
               <a:t>Dev C++ / VS Code - Code editing and compiling</a:t>
@@ -24446,7 +24519,7 @@
             </a:pPr>
             <a:r>
               <a:rPr lang="en-GB" sz="2400" dirty="0">
-                <a:latin typeface="Cambria" panose="02040503050406030204" pitchFamily="18" charset="0"/>
+                <a:latin typeface="Calibri (body)"/>
                 <a:ea typeface="Cambria" panose="02040503050406030204" pitchFamily="18" charset="0"/>
               </a:rPr>
               <a:t>GCC / MSVC - Compilation</a:t>
@@ -24472,28 +24545,28 @@
             </a:pPr>
             <a:r>
               <a:rPr lang="en-GB" sz="2400" dirty="0" err="1">
-                <a:latin typeface="Cambria" panose="02040503050406030204" pitchFamily="18" charset="0"/>
+                <a:latin typeface="Calibri (body)"/>
                 <a:ea typeface="Cambria" panose="02040503050406030204" pitchFamily="18" charset="0"/>
               </a:rPr>
               <a:t>WinBGIm</a:t>
             </a:r>
             <a:r>
               <a:rPr lang="en-GB" sz="2400" dirty="0">
-                <a:latin typeface="Cambria" panose="02040503050406030204" pitchFamily="18" charset="0"/>
+                <a:latin typeface="Calibri (body)"/>
                 <a:ea typeface="Cambria" panose="02040503050406030204" pitchFamily="18" charset="0"/>
               </a:rPr>
               <a:t> - GUI (</a:t>
             </a:r>
             <a:r>
               <a:rPr lang="en-GB" sz="2400" dirty="0" err="1">
-                <a:latin typeface="Cambria" panose="02040503050406030204" pitchFamily="18" charset="0"/>
+                <a:latin typeface="Calibri (body)"/>
                 <a:ea typeface="Cambria" panose="02040503050406030204" pitchFamily="18" charset="0"/>
               </a:rPr>
               <a:t>graphics.h</a:t>
             </a:r>
             <a:r>
               <a:rPr lang="en-GB" sz="2400" dirty="0">
-                <a:latin typeface="Cambria" panose="02040503050406030204" pitchFamily="18" charset="0"/>
+                <a:latin typeface="Calibri (body)"/>
                 <a:ea typeface="Cambria" panose="02040503050406030204" pitchFamily="18" charset="0"/>
               </a:rPr>
               <a:t>)</a:t>
@@ -24519,7 +24592,7 @@
             </a:pPr>
             <a:r>
               <a:rPr lang="en-GB" sz="2400" dirty="0">
-                <a:latin typeface="Cambria" panose="02040503050406030204" pitchFamily="18" charset="0"/>
+                <a:latin typeface="Calibri (body)"/>
                 <a:ea typeface="Cambria" panose="02040503050406030204" pitchFamily="18" charset="0"/>
               </a:rPr>
               <a:t>Windows API - File Dialogs, Sound playback</a:t>
@@ -24545,8 +24618,8 @@
         </p:nvSpPr>
         <p:spPr>
           <a:xfrm>
-            <a:off x="531812" y="787782"/>
-            <a:ext cx="779767" cy="365125"/>
+            <a:off x="531812" y="827228"/>
+            <a:ext cx="779767" cy="286232"/>
           </a:xfrm>
           <a:prstGeom prst="rect">
             <a:avLst/>
@@ -24575,7 +24648,9 @@
               <a:buNone/>
             </a:pPr>
             <a:fld id="{00000000-1234-1234-1234-123412341234}" type="slidenum">
-              <a:rPr lang="en-US"/>
+              <a:rPr lang="en-US">
+                <a:latin typeface="Calibri (body)"/>
+              </a:rPr>
               <a:pPr marL="173355" lvl="0" indent="0" algn="r" rtl="0">
                 <a:lnSpc>
                   <a:spcPct val="93000"/>
@@ -24590,7 +24665,9 @@
               </a:pPr>
               <a:t>8</a:t>
             </a:fld>
-            <a:endParaRPr/>
+            <a:endParaRPr>
+              <a:latin typeface="Calibri (body)"/>
+            </a:endParaRPr>
           </a:p>
         </p:txBody>
       </p:sp>
@@ -24669,10 +24746,14 @@
               <a:buSzPts val="3600"/>
             </a:pPr>
             <a:r>
-              <a:rPr lang="en-GB" dirty="0"/>
+              <a:rPr lang="en-GB" dirty="0">
+                <a:latin typeface="Calibri (body)"/>
+              </a:rPr>
               <a:t>System Architecture</a:t>
             </a:r>
-            <a:endParaRPr b="1" dirty="0"/>
+            <a:endParaRPr b="1" dirty="0">
+              <a:latin typeface="Calibri (body)"/>
+            </a:endParaRPr>
           </a:p>
         </p:txBody>
       </p:sp>
@@ -24695,7 +24776,7 @@
         <p:spPr>
           <a:xfrm>
             <a:off x="1828432" y="1118335"/>
-            <a:ext cx="8487144" cy="2431425"/>
+            <a:ext cx="8487144" cy="4154973"/>
           </a:xfrm>
           <a:prstGeom prst="rect">
             <a:avLst/>
@@ -24729,24 +24810,18 @@
               <a:buChar char="►"/>
             </a:pPr>
             <a:r>
-              <a:rPr lang="en-US" sz="2400" dirty="0">
-                <a:latin typeface="Cambria" panose="02040503050406030204" pitchFamily="18" charset="0"/>
+              <a:rPr lang="en-US" sz="2400" b="1" dirty="0">
+                <a:latin typeface="Calibri (body)"/>
                 <a:ea typeface="Cambria" panose="02040503050406030204" pitchFamily="18" charset="0"/>
               </a:rPr>
-              <a:t>• UI Layer: Menu, Dialogs, Animation</a:t>
+              <a:t>UI Layer: </a:t>
             </a:r>
           </a:p>
           <a:p>
-            <a:pPr marL="474344" lvl="0" indent="-461644" algn="l" rtl="0">
-              <a:lnSpc>
-                <a:spcPct val="100000"/>
-              </a:lnSpc>
-              <a:spcBef>
-                <a:spcPts val="0"/>
-              </a:spcBef>
-              <a:spcAft>
-                <a:spcPts val="0"/>
-              </a:spcAft>
+            <a:pPr marL="931544" lvl="1" indent="-461644">
+              <a:spcBef>
+                <a:spcPts val="0"/>
+              </a:spcBef>
               <a:buClr>
                 <a:srgbClr val="5ECAEF"/>
               </a:buClr>
@@ -24755,11 +24830,11 @@
               <a:buChar char="►"/>
             </a:pPr>
             <a:r>
-              <a:rPr lang="en-US" sz="2400" dirty="0">
-                <a:latin typeface="Cambria" panose="02040503050406030204" pitchFamily="18" charset="0"/>
+              <a:rPr lang="en-US" sz="2200" dirty="0">
+                <a:latin typeface="Calibri (body)"/>
                 <a:ea typeface="Cambria" panose="02040503050406030204" pitchFamily="18" charset="0"/>
               </a:rPr>
-              <a:t>• Encryption Logic: Caesar Cipher</a:t>
+              <a:t>Menu, Dialogs, Animation</a:t>
             </a:r>
           </a:p>
           <a:p>
@@ -24781,24 +24856,18 @@
               <a:buChar char="►"/>
             </a:pPr>
             <a:r>
-              <a:rPr lang="en-US" sz="2400" dirty="0">
-                <a:latin typeface="Cambria" panose="02040503050406030204" pitchFamily="18" charset="0"/>
+              <a:rPr lang="en-US" sz="2400" b="1" dirty="0">
+                <a:latin typeface="Calibri (body)"/>
                 <a:ea typeface="Cambria" panose="02040503050406030204" pitchFamily="18" charset="0"/>
               </a:rPr>
-              <a:t>• File Handler: Input/Output</a:t>
+              <a:t>Encryption Logic: </a:t>
             </a:r>
           </a:p>
           <a:p>
-            <a:pPr marL="474344" lvl="0" indent="-461644" algn="l" rtl="0">
-              <a:lnSpc>
-                <a:spcPct val="100000"/>
-              </a:lnSpc>
-              <a:spcBef>
-                <a:spcPts val="0"/>
-              </a:spcBef>
-              <a:spcAft>
-                <a:spcPts val="0"/>
-              </a:spcAft>
+            <a:pPr marL="931544" lvl="1" indent="-461644">
+              <a:spcBef>
+                <a:spcPts val="0"/>
+              </a:spcBef>
               <a:buClr>
                 <a:srgbClr val="5ECAEF"/>
               </a:buClr>
@@ -24807,11 +24876,11 @@
               <a:buChar char="►"/>
             </a:pPr>
             <a:r>
-              <a:rPr lang="en-US" sz="2400" dirty="0">
-                <a:latin typeface="Cambria" panose="02040503050406030204" pitchFamily="18" charset="0"/>
+              <a:rPr lang="en-US" sz="2200" dirty="0">
+                <a:latin typeface="Calibri (body)"/>
                 <a:ea typeface="Cambria" panose="02040503050406030204" pitchFamily="18" charset="0"/>
               </a:rPr>
-              <a:t>• Logger: History tracking</a:t>
+              <a:t>Caesar Cipher</a:t>
             </a:r>
           </a:p>
           <a:p>
@@ -24833,11 +24902,123 @@
               <a:buChar char="►"/>
             </a:pPr>
             <a:r>
-              <a:rPr lang="en-US" sz="2400" dirty="0">
-                <a:latin typeface="Cambria" panose="02040503050406030204" pitchFamily="18" charset="0"/>
+              <a:rPr lang="en-US" sz="2400" b="1" dirty="0">
+                <a:latin typeface="Calibri (body)"/>
                 <a:ea typeface="Cambria" panose="02040503050406030204" pitchFamily="18" charset="0"/>
               </a:rPr>
-              <a:t>• Feedback: Sounds and messages</a:t>
+              <a:t>File Handler: </a:t>
+            </a:r>
+          </a:p>
+          <a:p>
+            <a:pPr marL="931544" lvl="1" indent="-461644">
+              <a:spcBef>
+                <a:spcPts val="0"/>
+              </a:spcBef>
+              <a:buClr>
+                <a:srgbClr val="5ECAEF"/>
+              </a:buClr>
+              <a:buSzPts val="1900"/>
+              <a:buFont typeface="Times New Roman"/>
+              <a:buChar char="►"/>
+            </a:pPr>
+            <a:r>
+              <a:rPr lang="en-US" sz="2200" dirty="0">
+                <a:latin typeface="Calibri (body)"/>
+                <a:ea typeface="Cambria" panose="02040503050406030204" pitchFamily="18" charset="0"/>
+              </a:rPr>
+              <a:t>Input/Output</a:t>
+            </a:r>
+          </a:p>
+          <a:p>
+            <a:pPr marL="474344" lvl="0" indent="-461644" algn="l" rtl="0">
+              <a:lnSpc>
+                <a:spcPct val="100000"/>
+              </a:lnSpc>
+              <a:spcBef>
+                <a:spcPts val="0"/>
+              </a:spcBef>
+              <a:spcAft>
+                <a:spcPts val="0"/>
+              </a:spcAft>
+              <a:buClr>
+                <a:srgbClr val="5ECAEF"/>
+              </a:buClr>
+              <a:buSzPts val="1900"/>
+              <a:buFont typeface="Times New Roman"/>
+              <a:buChar char="►"/>
+            </a:pPr>
+            <a:r>
+              <a:rPr lang="en-US" sz="2400" b="1" dirty="0">
+                <a:latin typeface="Calibri (body)"/>
+                <a:ea typeface="Cambria" panose="02040503050406030204" pitchFamily="18" charset="0"/>
+              </a:rPr>
+              <a:t>Logger: </a:t>
+            </a:r>
+          </a:p>
+          <a:p>
+            <a:pPr marL="931544" lvl="1" indent="-461644">
+              <a:spcBef>
+                <a:spcPts val="0"/>
+              </a:spcBef>
+              <a:buClr>
+                <a:srgbClr val="5ECAEF"/>
+              </a:buClr>
+              <a:buSzPts val="1900"/>
+              <a:buFont typeface="Times New Roman"/>
+              <a:buChar char="►"/>
+            </a:pPr>
+            <a:r>
+              <a:rPr lang="en-US" sz="2200" dirty="0">
+                <a:latin typeface="Calibri (body)"/>
+                <a:ea typeface="Cambria" panose="02040503050406030204" pitchFamily="18" charset="0"/>
+              </a:rPr>
+              <a:t>History tracking</a:t>
+            </a:r>
+          </a:p>
+          <a:p>
+            <a:pPr marL="474344" lvl="0" indent="-461644" algn="l" rtl="0">
+              <a:lnSpc>
+                <a:spcPct val="100000"/>
+              </a:lnSpc>
+              <a:spcBef>
+                <a:spcPts val="0"/>
+              </a:spcBef>
+              <a:spcAft>
+                <a:spcPts val="0"/>
+              </a:spcAft>
+              <a:buClr>
+                <a:srgbClr val="5ECAEF"/>
+              </a:buClr>
+              <a:buSzPts val="1900"/>
+              <a:buFont typeface="Times New Roman"/>
+              <a:buChar char="►"/>
+            </a:pPr>
+            <a:r>
+              <a:rPr lang="en-US" sz="2400" b="1" dirty="0">
+                <a:latin typeface="Calibri (body)"/>
+                <a:ea typeface="Cambria" panose="02040503050406030204" pitchFamily="18" charset="0"/>
+              </a:rPr>
+              <a:t>Feedback: </a:t>
+            </a:r>
+          </a:p>
+          <a:p>
+            <a:pPr marL="931544" lvl="1" indent="-461644">
+              <a:spcBef>
+                <a:spcPts val="0"/>
+              </a:spcBef>
+              <a:buClr>
+                <a:srgbClr val="5ECAEF"/>
+              </a:buClr>
+              <a:buSzPts val="1900"/>
+              <a:buFont typeface="Times New Roman"/>
+              <a:buChar char="►"/>
+            </a:pPr>
+            <a:r>
+              <a:rPr lang="en-US" sz="2200" dirty="0">
+                <a:latin typeface="Calibri (body)"/>
+                <a:ea typeface="Cambria" panose="02040503050406030204" pitchFamily="18" charset="0"/>
+              </a:rPr>
+              <a:t>Sounds and messages</a:t>
             </a:r>
           </a:p>
           <a:p>
@@ -24859,7 +25040,7 @@
               <a:buChar char="►"/>
             </a:pPr>
             <a:endParaRPr lang="en-GB" sz="2400" dirty="0">
-              <a:latin typeface="Cambria" panose="02040503050406030204" pitchFamily="18" charset="0"/>
+              <a:latin typeface="Calibri (body)"/>
               <a:ea typeface="Cambria" panose="02040503050406030204" pitchFamily="18" charset="0"/>
             </a:endParaRPr>
           </a:p>
@@ -24883,8 +25064,8 @@
         </p:nvSpPr>
         <p:spPr>
           <a:xfrm>
-            <a:off x="531812" y="787782"/>
-            <a:ext cx="779767" cy="365125"/>
+            <a:off x="531812" y="827228"/>
+            <a:ext cx="779767" cy="286232"/>
           </a:xfrm>
           <a:prstGeom prst="rect">
             <a:avLst/>
@@ -24913,7 +25094,9 @@
               <a:buNone/>
             </a:pPr>
             <a:fld id="{00000000-1234-1234-1234-123412341234}" type="slidenum">
-              <a:rPr lang="en-US"/>
+              <a:rPr lang="en-US">
+                <a:latin typeface="Calibri (body)"/>
+              </a:rPr>
               <a:pPr marL="173355" lvl="0" indent="0" algn="r" rtl="0">
                 <a:lnSpc>
                   <a:spcPct val="93000"/>
@@ -24928,10 +25111,53 @@
               </a:pPr>
               <a:t>9</a:t>
             </a:fld>
-            <a:endParaRPr/>
+            <a:endParaRPr>
+              <a:latin typeface="Calibri (body)"/>
+            </a:endParaRPr>
           </a:p>
         </p:txBody>
       </p:sp>
+      <p:pic>
+        <p:nvPicPr>
+          <p:cNvPr id="2" name="Picture 1">
+            <a:extLst>
+              <a:ext uri="{FF2B5EF4-FFF2-40B4-BE49-F238E27FC236}">
+                <a16:creationId xmlns:a16="http://schemas.microsoft.com/office/drawing/2014/main" id="{DDD63227-9002-B02E-078F-6F609D6433D0}"/>
+              </a:ext>
+            </a:extLst>
+          </p:cNvPr>
+          <p:cNvPicPr>
+            <a:picLocks noChangeAspect="1"/>
+          </p:cNvPicPr>
+          <p:nvPr/>
+        </p:nvPicPr>
+        <p:blipFill>
+          <a:blip r:embed="rId3">
+            <a:extLst>
+              <a:ext uri="{28A0092B-C50C-407E-A947-70E740481C1C}">
+                <a14:useLocalDpi xmlns:a14="http://schemas.microsoft.com/office/drawing/2010/main" val="0"/>
+              </a:ext>
+            </a:extLst>
+          </a:blip>
+          <a:srcRect/>
+          <a:stretch>
+            <a:fillRect/>
+          </a:stretch>
+        </p:blipFill>
+        <p:spPr bwMode="auto">
+          <a:xfrm>
+            <a:off x="6096000" y="1319714"/>
+            <a:ext cx="5633085" cy="3752215"/>
+          </a:xfrm>
+          <a:prstGeom prst="rect">
+            <a:avLst/>
+          </a:prstGeom>
+          <a:noFill/>
+          <a:ln>
+            <a:noFill/>
+          </a:ln>
+        </p:spPr>
+      </p:pic>
     </p:spTree>
     <p:extLst>
       <p:ext uri="{BB962C8B-B14F-4D97-AF65-F5344CB8AC3E}">

--- a/Documentation/final -File Encryptor In C++.pptx
+++ b/Documentation/final -File Encryptor In C++.pptx
@@ -27,18 +27,11 @@
   <p:notesSz cx="12192000" cy="6858000"/>
   <p:embeddedFontLst>
     <p:embeddedFont>
-      <p:font typeface="Cambria" panose="02040503050406030204" pitchFamily="18" charset="0"/>
+      <p:font typeface="Century Gothic" panose="020B0502020202020204" pitchFamily="34" charset="0"/>
       <p:regular r:id="rId17"/>
       <p:bold r:id="rId18"/>
       <p:italic r:id="rId19"/>
       <p:boldItalic r:id="rId20"/>
-    </p:embeddedFont>
-    <p:embeddedFont>
-      <p:font typeface="Century Gothic" panose="020B0502020202020204" pitchFamily="34" charset="0"/>
-      <p:regular r:id="rId21"/>
-      <p:bold r:id="rId22"/>
-      <p:italic r:id="rId23"/>
-      <p:boldItalic r:id="rId24"/>
     </p:embeddedFont>
   </p:embeddedFontLst>
   <p:defaultTextStyle>
@@ -286,7 +279,7 @@
       </p15:sldGuideLst>
     </p:ext>
     <p:ext uri="GoogleSlidesCustomDataVersion2">
-      <go:slidesCustomData xmlns="" xmlns:mc="http://schemas.openxmlformats.org/markup-compatibility/2006" xmlns:mv="urn:schemas-microsoft-com:mac:vml" xmlns:c="http://schemas.openxmlformats.org/drawingml/2006/chart" xmlns:dgm="http://schemas.openxmlformats.org/drawingml/2006/diagram" xmlns:o="urn:schemas-microsoft-com:office:office" xmlns:v="urn:schemas-microsoft-com:vml" xmlns:pvml="urn:schemas-microsoft-com:office:powerpoint" xmlns:com="http://schemas.openxmlformats.org/drawingml/2006/compatibility" xmlns:p14="http://schemas.microsoft.com/office/powerpoint/2010/main" xmlns:p15="http://schemas.microsoft.com/office/powerpoint/2012/main" xmlns:ahyp="http://schemas.microsoft.com/office/drawing/2018/hyperlinkcolor" xmlns:go="http://customooxmlschemas.google.com/" r:id="rId25" roundtripDataSignature="AMtx7miiVGhCrf2v17o/PY4/uoxnTXy3DQ=="/>
+      <go:slidesCustomData xmlns:go="http://customooxmlschemas.google.com/" xmlns:ahyp="http://schemas.microsoft.com/office/drawing/2018/hyperlinkcolor" xmlns:p15="http://schemas.microsoft.com/office/powerpoint/2012/main" xmlns:p14="http://schemas.microsoft.com/office/powerpoint/2010/main" xmlns:com="http://schemas.openxmlformats.org/drawingml/2006/compatibility" xmlns:pvml="urn:schemas-microsoft-com:office:powerpoint" xmlns:v="urn:schemas-microsoft-com:vml" xmlns:o="urn:schemas-microsoft-com:office:office" xmlns:dgm="http://schemas.openxmlformats.org/drawingml/2006/diagram" xmlns:c="http://schemas.openxmlformats.org/drawingml/2006/chart" xmlns:mv="urn:schemas-microsoft-com:mac:vml" xmlns:mc="http://schemas.openxmlformats.org/markup-compatibility/2006" xmlns="" r:id="rId25" roundtripDataSignature="AMtx7miiVGhCrf2v17o/PY4/uoxnTXy3DQ=="/>
     </p:ext>
   </p:extLst>
 </p:presentation>
@@ -20583,7 +20576,7 @@
         <p:spPr>
           <a:xfrm>
             <a:off x="1828432" y="1118335"/>
-            <a:ext cx="8487144" cy="1692761"/>
+            <a:ext cx="8487144" cy="2062093"/>
           </a:xfrm>
           <a:prstGeom prst="rect">
             <a:avLst/>
@@ -20617,11 +20610,18 @@
               <a:buChar char="►"/>
             </a:pPr>
             <a:r>
+              <a:rPr lang="en-GB" sz="2400" b="1" dirty="0">
+                <a:latin typeface="Calibri (body)"/>
+                <a:ea typeface="Cambria" panose="02040503050406030204" pitchFamily="18" charset="0"/>
+              </a:rPr>
+              <a:t>Flowchart: </a:t>
+            </a:r>
+            <a:r>
               <a:rPr lang="en-GB" sz="2400" dirty="0">
                 <a:latin typeface="Calibri (body)"/>
                 <a:ea typeface="Cambria" panose="02040503050406030204" pitchFamily="18" charset="0"/>
               </a:rPr>
-              <a:t>• Flowchart: Encryption/Decryption process</a:t>
+              <a:t>Encryption/Decryption process</a:t>
             </a:r>
           </a:p>
           <a:p>
@@ -20643,11 +20643,18 @@
               <a:buChar char="►"/>
             </a:pPr>
             <a:r>
+              <a:rPr lang="en-GB" sz="2400" b="1" dirty="0">
+                <a:latin typeface="Calibri (body)"/>
+                <a:ea typeface="Cambria" panose="02040503050406030204" pitchFamily="18" charset="0"/>
+              </a:rPr>
+              <a:t>Class Diagram: </a:t>
+            </a:r>
+            <a:r>
               <a:rPr lang="en-GB" sz="2400" dirty="0">
                 <a:latin typeface="Calibri (body)"/>
                 <a:ea typeface="Cambria" panose="02040503050406030204" pitchFamily="18" charset="0"/>
               </a:rPr>
-              <a:t>• Class Diagram: Core components</a:t>
+              <a:t>Core components</a:t>
             </a:r>
           </a:p>
           <a:p>
@@ -20669,11 +20676,18 @@
               <a:buChar char="►"/>
             </a:pPr>
             <a:r>
+              <a:rPr lang="en-GB" sz="2400" b="1" dirty="0">
+                <a:latin typeface="Calibri (body)"/>
+                <a:ea typeface="Cambria" panose="02040503050406030204" pitchFamily="18" charset="0"/>
+              </a:rPr>
+              <a:t>Use Case: </a:t>
+            </a:r>
+            <a:r>
               <a:rPr lang="en-GB" sz="2400" dirty="0">
                 <a:latin typeface="Calibri (body)"/>
                 <a:ea typeface="Cambria" panose="02040503050406030204" pitchFamily="18" charset="0"/>
               </a:rPr>
-              <a:t>• Use Case: User interaction with system</a:t>
+              <a:t>User interaction with system</a:t>
             </a:r>
           </a:p>
           <a:p>
@@ -20695,12 +20709,22 @@
               <a:buChar char="►"/>
             </a:pPr>
             <a:r>
-              <a:rPr lang="en-GB" sz="2400" dirty="0">
+              <a:rPr lang="en-GB" sz="2400" b="1" dirty="0">
                 <a:latin typeface="Calibri (body)"/>
                 <a:ea typeface="Cambria" panose="02040503050406030204" pitchFamily="18" charset="0"/>
               </a:rPr>
-              <a:t>• Activity / Sequence Diagrams</a:t>
+              <a:t>Activity / Sequence Diagrams</a:t>
             </a:r>
+            <a:br>
+              <a:rPr lang="en-GB" sz="2400" b="1" dirty="0">
+                <a:latin typeface="Calibri (body)"/>
+                <a:ea typeface="Cambria" panose="02040503050406030204" pitchFamily="18" charset="0"/>
+              </a:rPr>
+            </a:br>
+            <a:endParaRPr lang="en-GB" sz="2400" b="1" dirty="0">
+              <a:latin typeface="Calibri (body)"/>
+              <a:ea typeface="Cambria" panose="02040503050406030204" pitchFamily="18" charset="0"/>
+            </a:endParaRPr>
           </a:p>
         </p:txBody>
       </p:sp>
@@ -20772,6 +20796,78 @@
             <a:endParaRPr>
               <a:latin typeface="Calibri (body)"/>
             </a:endParaRPr>
+          </a:p>
+        </p:txBody>
+      </p:sp>
+      <p:pic>
+        <p:nvPicPr>
+          <p:cNvPr id="2" name="Picture 1">
+            <a:extLst>
+              <a:ext uri="{FF2B5EF4-FFF2-40B4-BE49-F238E27FC236}">
+                <a16:creationId xmlns:a16="http://schemas.microsoft.com/office/drawing/2014/main" id="{FAB276D9-A02E-4923-05EC-223CD29972AB}"/>
+              </a:ext>
+            </a:extLst>
+          </p:cNvPr>
+          <p:cNvPicPr>
+            <a:picLocks noChangeAspect="1"/>
+          </p:cNvPicPr>
+          <p:nvPr/>
+        </p:nvPicPr>
+        <p:blipFill>
+          <a:blip r:embed="rId3" cstate="print">
+            <a:extLst>
+              <a:ext uri="{28A0092B-C50C-407E-A947-70E740481C1C}">
+                <a14:useLocalDpi xmlns:a14="http://schemas.microsoft.com/office/drawing/2010/main" val="0"/>
+              </a:ext>
+            </a:extLst>
+          </a:blip>
+          <a:stretch>
+            <a:fillRect/>
+          </a:stretch>
+        </p:blipFill>
+        <p:spPr>
+          <a:xfrm>
+            <a:off x="7772401" y="733449"/>
+            <a:ext cx="4016375" cy="5573216"/>
+          </a:xfrm>
+          <a:prstGeom prst="rect">
+            <a:avLst/>
+          </a:prstGeom>
+        </p:spPr>
+      </p:pic>
+      <p:sp>
+        <p:nvSpPr>
+          <p:cNvPr id="3" name="TextBox 2">
+            <a:extLst>
+              <a:ext uri="{FF2B5EF4-FFF2-40B4-BE49-F238E27FC236}">
+                <a16:creationId xmlns:a16="http://schemas.microsoft.com/office/drawing/2014/main" id="{DC57D009-F62C-8148-847C-C5081C2B6C3C}"/>
+              </a:ext>
+            </a:extLst>
+          </p:cNvPr>
+          <p:cNvSpPr txBox="1"/>
+          <p:nvPr/>
+        </p:nvSpPr>
+        <p:spPr>
+          <a:xfrm>
+            <a:off x="8873752" y="6383774"/>
+            <a:ext cx="2135982" cy="307777"/>
+          </a:xfrm>
+          <a:prstGeom prst="rect">
+            <a:avLst/>
+          </a:prstGeom>
+          <a:noFill/>
+        </p:spPr>
+        <p:txBody>
+          <a:bodyPr wrap="square" rtlCol="0">
+            <a:spAutoFit/>
+          </a:bodyPr>
+          <a:lstStyle/>
+          <a:p>
+            <a:r>
+              <a:rPr lang="en-US" dirty="0"/>
+              <a:t>Fig: Activity Diagram</a:t>
+            </a:r>
+            <a:endParaRPr lang="en-GB" dirty="0"/>
           </a:p>
         </p:txBody>
       </p:sp>
@@ -20850,7 +20946,7 @@
               <a:buSzPts val="3600"/>
             </a:pPr>
             <a:r>
-              <a:rPr lang="en-GB" dirty="0">
+              <a:rPr lang="en-GB" b="1" dirty="0">
                 <a:latin typeface="Calibri (body)"/>
               </a:rPr>
               <a:t>Testing &amp; Debugging</a:t>
@@ -20880,7 +20976,7 @@
         <p:spPr>
           <a:xfrm>
             <a:off x="1828432" y="1118335"/>
-            <a:ext cx="8487144" cy="3385532"/>
+            <a:ext cx="8487144" cy="3693309"/>
           </a:xfrm>
           <a:prstGeom prst="rect">
             <a:avLst/>
@@ -20978,8 +21074,32 @@
                 <a:latin typeface="Calibri (body)"/>
                 <a:ea typeface="Cambria" panose="02040503050406030204" pitchFamily="18" charset="0"/>
               </a:rPr>
-              <a:t>Display history ✅</a:t>
+              <a:t>Display </a:t>
             </a:r>
+            <a:r>
+              <a:rPr lang="en-GB" sz="2200">
+                <a:latin typeface="Calibri (body)"/>
+                <a:ea typeface="Cambria" panose="02040503050406030204" pitchFamily="18" charset="0"/>
+              </a:rPr>
+              <a:t>history ✅</a:t>
+            </a:r>
+          </a:p>
+          <a:p>
+            <a:pPr marL="931544" lvl="1" indent="-461644">
+              <a:spcBef>
+                <a:spcPts val="0"/>
+              </a:spcBef>
+              <a:buClr>
+                <a:srgbClr val="5ECAEF"/>
+              </a:buClr>
+              <a:buSzPts val="1900"/>
+              <a:buFont typeface="Times New Roman"/>
+              <a:buChar char="►"/>
+            </a:pPr>
+            <a:endParaRPr lang="en-GB" sz="2200" dirty="0">
+              <a:latin typeface="Calibri (body)"/>
+              <a:ea typeface="Cambria" panose="02040503050406030204" pitchFamily="18" charset="0"/>
+            </a:endParaRPr>
           </a:p>
           <a:p>
             <a:pPr marL="474344" lvl="0" indent="-461644" algn="l" rtl="0">
@@ -21268,10 +21388,14 @@
               <a:buSzPts val="3600"/>
             </a:pPr>
             <a:r>
-              <a:rPr lang="en-GB" dirty="0"/>
+              <a:rPr lang="en-GB" b="1" dirty="0">
+                <a:latin typeface="Calibri (body)"/>
+              </a:rPr>
               <a:t>Conclusion</a:t>
             </a:r>
-            <a:endParaRPr b="1" dirty="0"/>
+            <a:endParaRPr b="1" dirty="0">
+              <a:latin typeface="Calibri (body)"/>
+            </a:endParaRPr>
           </a:p>
         </p:txBody>
       </p:sp>
@@ -21294,7 +21418,7 @@
         <p:spPr>
           <a:xfrm>
             <a:off x="1828432" y="1118335"/>
-            <a:ext cx="8487144" cy="2062093"/>
+            <a:ext cx="8487144" cy="1692761"/>
           </a:xfrm>
           <a:prstGeom prst="rect">
             <a:avLst/>
@@ -21329,10 +21453,10 @@
             </a:pPr>
             <a:r>
               <a:rPr lang="en-GB" sz="2400" dirty="0">
-                <a:latin typeface="Cambria" panose="02040503050406030204" pitchFamily="18" charset="0"/>
+                <a:latin typeface="Calibri (body)"/>
                 <a:ea typeface="Cambria" panose="02040503050406030204" pitchFamily="18" charset="0"/>
               </a:rPr>
-              <a:t>• Built a working file encryptor using Caesar Cipher in C++.</a:t>
+              <a:t>Built a working file encryptor using Caesar Cipher in C++.</a:t>
             </a:r>
           </a:p>
           <a:p>
@@ -21355,10 +21479,10 @@
             </a:pPr>
             <a:r>
               <a:rPr lang="en-GB" sz="2400" dirty="0">
-                <a:latin typeface="Cambria" panose="02040503050406030204" pitchFamily="18" charset="0"/>
+                <a:latin typeface="Calibri (body)"/>
                 <a:ea typeface="Cambria" panose="02040503050406030204" pitchFamily="18" charset="0"/>
               </a:rPr>
-              <a:t>• Demonstrated file I/O, GUI programming, and basic encryption.</a:t>
+              <a:t>Demonstrated file I/O, GUI programming, and basic encryption.</a:t>
             </a:r>
           </a:p>
           <a:p>
@@ -21381,10 +21505,10 @@
             </a:pPr>
             <a:r>
               <a:rPr lang="en-GB" sz="2400" dirty="0">
-                <a:latin typeface="Cambria" panose="02040503050406030204" pitchFamily="18" charset="0"/>
+                <a:latin typeface="Calibri (body)"/>
                 <a:ea typeface="Cambria" panose="02040503050406030204" pitchFamily="18" charset="0"/>
               </a:rPr>
-              <a:t>• Laid foundation for exploring advanced security techniques.</a:t>
+              <a:t>Laid foundation for exploring advanced security techniques.</a:t>
             </a:r>
           </a:p>
           <a:p>
@@ -21406,7 +21530,7 @@
               <a:buChar char="►"/>
             </a:pPr>
             <a:endParaRPr lang="en-GB" sz="2400" dirty="0">
-              <a:latin typeface="Cambria" panose="02040503050406030204" pitchFamily="18" charset="0"/>
+              <a:latin typeface="Calibri (body)"/>
               <a:ea typeface="Cambria" panose="02040503050406030204" pitchFamily="18" charset="0"/>
             </a:endParaRPr>
           </a:p>
@@ -21430,8 +21554,8 @@
         </p:nvSpPr>
         <p:spPr>
           <a:xfrm>
-            <a:off x="531812" y="787782"/>
-            <a:ext cx="779767" cy="365125"/>
+            <a:off x="531812" y="827228"/>
+            <a:ext cx="779767" cy="286232"/>
           </a:xfrm>
           <a:prstGeom prst="rect">
             <a:avLst/>
@@ -21460,7 +21584,9 @@
               <a:buNone/>
             </a:pPr>
             <a:fld id="{00000000-1234-1234-1234-123412341234}" type="slidenum">
-              <a:rPr lang="en-US"/>
+              <a:rPr lang="en-US">
+                <a:latin typeface="Calibri (body)"/>
+              </a:rPr>
               <a:pPr marL="173355" lvl="0" indent="0" algn="r" rtl="0">
                 <a:lnSpc>
                   <a:spcPct val="93000"/>
@@ -21475,7 +21601,9 @@
               </a:pPr>
               <a:t>12</a:t>
             </a:fld>
-            <a:endParaRPr/>
+            <a:endParaRPr>
+              <a:latin typeface="Calibri (body)"/>
+            </a:endParaRPr>
           </a:p>
         </p:txBody>
       </p:sp>
@@ -21554,10 +21682,14 @@
               <a:buSzPts val="3600"/>
             </a:pPr>
             <a:r>
-              <a:rPr lang="en-GB" dirty="0"/>
+              <a:rPr lang="en-GB" b="1" dirty="0">
+                <a:latin typeface="Calibri (body)"/>
+              </a:rPr>
               <a:t>Future Enhancements</a:t>
             </a:r>
-            <a:endParaRPr b="1" dirty="0"/>
+            <a:endParaRPr b="1" dirty="0">
+              <a:latin typeface="Calibri (body)"/>
+            </a:endParaRPr>
           </a:p>
         </p:txBody>
       </p:sp>
@@ -21615,10 +21747,10 @@
             </a:pPr>
             <a:r>
               <a:rPr lang="en-GB" sz="2400" dirty="0">
-                <a:latin typeface="Cambria" panose="02040503050406030204" pitchFamily="18" charset="0"/>
+                <a:latin typeface="Calibri (body)"/>
                 <a:ea typeface="Cambria" panose="02040503050406030204" pitchFamily="18" charset="0"/>
               </a:rPr>
-              <a:t>• Add password-based encryption</a:t>
+              <a:t>Add password-based encryption</a:t>
             </a:r>
           </a:p>
           <a:p>
@@ -21641,10 +21773,10 @@
             </a:pPr>
             <a:r>
               <a:rPr lang="en-GB" sz="2400" dirty="0">
-                <a:latin typeface="Cambria" panose="02040503050406030204" pitchFamily="18" charset="0"/>
+                <a:latin typeface="Calibri (body)"/>
                 <a:ea typeface="Cambria" panose="02040503050406030204" pitchFamily="18" charset="0"/>
               </a:rPr>
-              <a:t>• Support multiple algorithms (AES, RSA)</a:t>
+              <a:t>Support multiple algorithms (AES, RSA)</a:t>
             </a:r>
           </a:p>
           <a:p>
@@ -21667,10 +21799,10 @@
             </a:pPr>
             <a:r>
               <a:rPr lang="en-GB" sz="2400" dirty="0">
-                <a:latin typeface="Cambria" panose="02040503050406030204" pitchFamily="18" charset="0"/>
+                <a:latin typeface="Calibri (body)"/>
                 <a:ea typeface="Cambria" panose="02040503050406030204" pitchFamily="18" charset="0"/>
               </a:rPr>
-              <a:t>• Cross-platform GUI (Qt/GTK)</a:t>
+              <a:t>Cross-platform GUI (Qt/GTK)</a:t>
             </a:r>
           </a:p>
           <a:p>
@@ -21693,10 +21825,10 @@
             </a:pPr>
             <a:r>
               <a:rPr lang="en-GB" sz="2400" dirty="0">
-                <a:latin typeface="Cambria" panose="02040503050406030204" pitchFamily="18" charset="0"/>
+                <a:latin typeface="Calibri (body)"/>
                 <a:ea typeface="Cambria" panose="02040503050406030204" pitchFamily="18" charset="0"/>
               </a:rPr>
-              <a:t>• Key management and user profiles</a:t>
+              <a:t>Key management and user profiles</a:t>
             </a:r>
           </a:p>
         </p:txBody>
@@ -21719,8 +21851,8 @@
         </p:nvSpPr>
         <p:spPr>
           <a:xfrm>
-            <a:off x="531812" y="787782"/>
-            <a:ext cx="779767" cy="365125"/>
+            <a:off x="531812" y="827228"/>
+            <a:ext cx="779767" cy="286232"/>
           </a:xfrm>
           <a:prstGeom prst="rect">
             <a:avLst/>
@@ -21749,7 +21881,9 @@
               <a:buNone/>
             </a:pPr>
             <a:fld id="{00000000-1234-1234-1234-123412341234}" type="slidenum">
-              <a:rPr lang="en-US"/>
+              <a:rPr lang="en-US">
+                <a:latin typeface="Calibri (body)"/>
+              </a:rPr>
               <a:pPr marL="173355" lvl="0" indent="0" algn="r" rtl="0">
                 <a:lnSpc>
                   <a:spcPct val="93000"/>
@@ -21764,7 +21898,9 @@
               </a:pPr>
               <a:t>13</a:t>
             </a:fld>
-            <a:endParaRPr/>
+            <a:endParaRPr>
+              <a:latin typeface="Calibri (body)"/>
+            </a:endParaRPr>
           </a:p>
         </p:txBody>
       </p:sp>
@@ -21843,10 +21979,14 @@
               <a:buSzPts val="3600"/>
             </a:pPr>
             <a:r>
-              <a:rPr lang="en-GB" dirty="0"/>
+              <a:rPr lang="en-GB" b="1" dirty="0">
+                <a:latin typeface="Calibri (body)"/>
+              </a:rPr>
               <a:t>Thank You</a:t>
             </a:r>
-            <a:endParaRPr b="1" dirty="0"/>
+            <a:endParaRPr b="1" dirty="0">
+              <a:latin typeface="Calibri (body)"/>
+            </a:endParaRPr>
           </a:p>
         </p:txBody>
       </p:sp>
@@ -21904,7 +22044,7 @@
             </a:pPr>
             <a:r>
               <a:rPr lang="en-GB" sz="2400" dirty="0">
-                <a:latin typeface="Cambria" panose="02040503050406030204" pitchFamily="18" charset="0"/>
+                <a:latin typeface="Calibri (body)"/>
                 <a:ea typeface="Cambria" panose="02040503050406030204" pitchFamily="18" charset="0"/>
               </a:rPr>
               <a:t>Questions? Feedback?</a:t>
@@ -21930,7 +22070,7 @@
             </a:pPr>
             <a:r>
               <a:rPr lang="en-GB" sz="2400" b="1" dirty="0">
-                <a:latin typeface="Cambria" panose="02040503050406030204" pitchFamily="18" charset="0"/>
+                <a:latin typeface="Calibri (body)"/>
                 <a:ea typeface="Cambria" panose="02040503050406030204" pitchFamily="18" charset="0"/>
               </a:rPr>
               <a:t>Presented by:</a:t>
@@ -21950,7 +22090,7 @@
             </a:pPr>
             <a:r>
               <a:rPr lang="en-GB" sz="2200" dirty="0">
-                <a:latin typeface="Cambria" panose="02040503050406030204" pitchFamily="18" charset="0"/>
+                <a:latin typeface="Calibri (body)"/>
                 <a:ea typeface="Cambria" panose="02040503050406030204" pitchFamily="18" charset="0"/>
               </a:rPr>
               <a:t>Salim Shrestha</a:t>
@@ -21970,14 +22110,14 @@
             </a:pPr>
             <a:r>
               <a:rPr lang="en-GB" sz="2200" dirty="0" err="1">
-                <a:latin typeface="Cambria" panose="02040503050406030204" pitchFamily="18" charset="0"/>
+                <a:latin typeface="Calibri (body)"/>
                 <a:ea typeface="Cambria" panose="02040503050406030204" pitchFamily="18" charset="0"/>
               </a:rPr>
               <a:t>Sarswoti</a:t>
             </a:r>
             <a:r>
               <a:rPr lang="en-GB" sz="2200" dirty="0">
-                <a:latin typeface="Cambria" panose="02040503050406030204" pitchFamily="18" charset="0"/>
+                <a:latin typeface="Calibri (body)"/>
                 <a:ea typeface="Cambria" panose="02040503050406030204" pitchFamily="18" charset="0"/>
               </a:rPr>
               <a:t> Rokaya</a:t>
@@ -21997,7 +22137,7 @@
             </a:pPr>
             <a:r>
               <a:rPr lang="en-GB" sz="2200" dirty="0">
-                <a:latin typeface="Cambria" panose="02040503050406030204" pitchFamily="18" charset="0"/>
+                <a:latin typeface="Calibri (body)"/>
                 <a:ea typeface="Cambria" panose="02040503050406030204" pitchFamily="18" charset="0"/>
               </a:rPr>
               <a:t>Aayush Kumar Mallik</a:t>
@@ -22023,8 +22163,8 @@
         </p:nvSpPr>
         <p:spPr>
           <a:xfrm>
-            <a:off x="531812" y="787782"/>
-            <a:ext cx="779767" cy="365125"/>
+            <a:off x="531812" y="827228"/>
+            <a:ext cx="779767" cy="286232"/>
           </a:xfrm>
           <a:prstGeom prst="rect">
             <a:avLst/>
@@ -22053,7 +22193,9 @@
               <a:buNone/>
             </a:pPr>
             <a:fld id="{00000000-1234-1234-1234-123412341234}" type="slidenum">
-              <a:rPr lang="en-US"/>
+              <a:rPr lang="en-US">
+                <a:latin typeface="Calibri (body)"/>
+              </a:rPr>
               <a:pPr marL="173355" lvl="0" indent="0" algn="r" rtl="0">
                 <a:lnSpc>
                   <a:spcPct val="93000"/>
@@ -22068,7 +22210,9 @@
               </a:pPr>
               <a:t>14</a:t>
             </a:fld>
-            <a:endParaRPr/>
+            <a:endParaRPr>
+              <a:latin typeface="Calibri (body)"/>
+            </a:endParaRPr>
           </a:p>
         </p:txBody>
       </p:sp>
@@ -24134,11 +24278,18 @@
               <a:buChar char="►"/>
             </a:pPr>
             <a:r>
+              <a:rPr lang="en-GB" sz="2400" b="1" dirty="0">
+                <a:latin typeface="Calibri (body)"/>
+                <a:ea typeface="Cambria" panose="02040503050406030204" pitchFamily="18" charset="0"/>
+              </a:rPr>
+              <a:t>Development Approach: </a:t>
+            </a:r>
+            <a:r>
               <a:rPr lang="en-GB" sz="2400" dirty="0">
                 <a:latin typeface="Calibri (body)"/>
                 <a:ea typeface="Cambria" panose="02040503050406030204" pitchFamily="18" charset="0"/>
               </a:rPr>
-              <a:t>Development Approach: Agile + Modular Prototyping</a:t>
+              <a:t>Agile + Modular Prototyping</a:t>
             </a:r>
           </a:p>
           <a:p>
@@ -24466,11 +24617,18 @@
               <a:buChar char="►"/>
             </a:pPr>
             <a:r>
+              <a:rPr lang="en-GB" sz="2400" b="1" dirty="0">
+                <a:latin typeface="Calibri (body)"/>
+                <a:ea typeface="Cambria" panose="02040503050406030204" pitchFamily="18" charset="0"/>
+              </a:rPr>
+              <a:t>C++ </a:t>
+            </a:r>
+            <a:r>
               <a:rPr lang="en-GB" sz="2400" dirty="0">
                 <a:latin typeface="Calibri (body)"/>
                 <a:ea typeface="Cambria" panose="02040503050406030204" pitchFamily="18" charset="0"/>
               </a:rPr>
-              <a:t>C++ - Core language</a:t>
+              <a:t>- Core language</a:t>
             </a:r>
           </a:p>
           <a:p>
@@ -24492,11 +24650,18 @@
               <a:buChar char="►"/>
             </a:pPr>
             <a:r>
+              <a:rPr lang="en-GB" sz="2400" b="1" dirty="0">
+                <a:latin typeface="Calibri (body)"/>
+                <a:ea typeface="Cambria" panose="02040503050406030204" pitchFamily="18" charset="0"/>
+              </a:rPr>
+              <a:t>Dev C++ / VS Code </a:t>
+            </a:r>
+            <a:r>
               <a:rPr lang="en-GB" sz="2400" dirty="0">
                 <a:latin typeface="Calibri (body)"/>
                 <a:ea typeface="Cambria" panose="02040503050406030204" pitchFamily="18" charset="0"/>
               </a:rPr>
-              <a:t>Dev C++ / VS Code - Code editing and compiling</a:t>
+              <a:t>- Code editing and compiling</a:t>
             </a:r>
           </a:p>
           <a:p>
@@ -24518,11 +24683,18 @@
               <a:buChar char="►"/>
             </a:pPr>
             <a:r>
+              <a:rPr lang="en-GB" sz="2400" b="1" dirty="0">
+                <a:latin typeface="Calibri (body)"/>
+                <a:ea typeface="Cambria" panose="02040503050406030204" pitchFamily="18" charset="0"/>
+              </a:rPr>
+              <a:t>GCC / MSVC </a:t>
+            </a:r>
+            <a:r>
               <a:rPr lang="en-GB" sz="2400" dirty="0">
                 <a:latin typeface="Calibri (body)"/>
                 <a:ea typeface="Cambria" panose="02040503050406030204" pitchFamily="18" charset="0"/>
               </a:rPr>
-              <a:t>GCC / MSVC - Compilation</a:t>
+              <a:t>- Compilation</a:t>
             </a:r>
           </a:p>
           <a:p>
@@ -24544,7 +24716,7 @@
               <a:buChar char="►"/>
             </a:pPr>
             <a:r>
-              <a:rPr lang="en-GB" sz="2400" dirty="0" err="1">
+              <a:rPr lang="en-GB" sz="2400" b="1" dirty="0" err="1">
                 <a:latin typeface="Calibri (body)"/>
                 <a:ea typeface="Cambria" panose="02040503050406030204" pitchFamily="18" charset="0"/>
               </a:rPr>
@@ -24591,11 +24763,18 @@
               <a:buChar char="►"/>
             </a:pPr>
             <a:r>
+              <a:rPr lang="en-GB" sz="2400" b="1" dirty="0">
+                <a:latin typeface="Calibri (body)"/>
+                <a:ea typeface="Cambria" panose="02040503050406030204" pitchFamily="18" charset="0"/>
+              </a:rPr>
+              <a:t>Windows API </a:t>
+            </a:r>
+            <a:r>
               <a:rPr lang="en-GB" sz="2400" dirty="0">
                 <a:latin typeface="Calibri (body)"/>
                 <a:ea typeface="Cambria" panose="02040503050406030204" pitchFamily="18" charset="0"/>
               </a:rPr>
-              <a:t>Windows API - File Dialogs, Sound playback</a:t>
+              <a:t>- File Dialogs, Sound playback</a:t>
             </a:r>
           </a:p>
         </p:txBody>
@@ -24746,7 +24925,7 @@
               <a:buSzPts val="3600"/>
             </a:pPr>
             <a:r>
-              <a:rPr lang="en-GB" dirty="0">
+              <a:rPr lang="en-GB" b="1" dirty="0">
                 <a:latin typeface="Calibri (body)"/>
               </a:rPr>
               <a:t>System Architecture</a:t>

--- a/Documentation/final -File Encryptor In C++.pptx
+++ b/Documentation/final -File Encryptor In C++.pptx
@@ -279,7 +279,7 @@
       </p15:sldGuideLst>
     </p:ext>
     <p:ext uri="GoogleSlidesCustomDataVersion2">
-      <go:slidesCustomData xmlns:go="http://customooxmlschemas.google.com/" xmlns:ahyp="http://schemas.microsoft.com/office/drawing/2018/hyperlinkcolor" xmlns:p15="http://schemas.microsoft.com/office/powerpoint/2012/main" xmlns:p14="http://schemas.microsoft.com/office/powerpoint/2010/main" xmlns:com="http://schemas.openxmlformats.org/drawingml/2006/compatibility" xmlns:pvml="urn:schemas-microsoft-com:office:powerpoint" xmlns:v="urn:schemas-microsoft-com:vml" xmlns:o="urn:schemas-microsoft-com:office:office" xmlns:dgm="http://schemas.openxmlformats.org/drawingml/2006/diagram" xmlns:c="http://schemas.openxmlformats.org/drawingml/2006/chart" xmlns:mv="urn:schemas-microsoft-com:mac:vml" xmlns:mc="http://schemas.openxmlformats.org/markup-compatibility/2006" xmlns="" r:id="rId25" roundtripDataSignature="AMtx7miiVGhCrf2v17o/PY4/uoxnTXy3DQ=="/>
+      <go:slidesCustomData xmlns="" xmlns:mc="http://schemas.openxmlformats.org/markup-compatibility/2006" xmlns:mv="urn:schemas-microsoft-com:mac:vml" xmlns:c="http://schemas.openxmlformats.org/drawingml/2006/chart" xmlns:dgm="http://schemas.openxmlformats.org/drawingml/2006/diagram" xmlns:o="urn:schemas-microsoft-com:office:office" xmlns:v="urn:schemas-microsoft-com:vml" xmlns:pvml="urn:schemas-microsoft-com:office:powerpoint" xmlns:com="http://schemas.openxmlformats.org/drawingml/2006/compatibility" xmlns:p14="http://schemas.microsoft.com/office/powerpoint/2010/main" xmlns:p15="http://schemas.microsoft.com/office/powerpoint/2012/main" xmlns:ahyp="http://schemas.microsoft.com/office/drawing/2018/hyperlinkcolor" xmlns:go="http://customooxmlschemas.google.com/" r:id="rId25" roundtripDataSignature="AMtx7miiVGhCrf2v17o/PY4/uoxnTXy3DQ=="/>
     </p:ext>
   </p:extLst>
 </p:presentation>
@@ -20799,42 +20799,6 @@
           </a:p>
         </p:txBody>
       </p:sp>
-      <p:pic>
-        <p:nvPicPr>
-          <p:cNvPr id="2" name="Picture 1">
-            <a:extLst>
-              <a:ext uri="{FF2B5EF4-FFF2-40B4-BE49-F238E27FC236}">
-                <a16:creationId xmlns:a16="http://schemas.microsoft.com/office/drawing/2014/main" id="{FAB276D9-A02E-4923-05EC-223CD29972AB}"/>
-              </a:ext>
-            </a:extLst>
-          </p:cNvPr>
-          <p:cNvPicPr>
-            <a:picLocks noChangeAspect="1"/>
-          </p:cNvPicPr>
-          <p:nvPr/>
-        </p:nvPicPr>
-        <p:blipFill>
-          <a:blip r:embed="rId3" cstate="print">
-            <a:extLst>
-              <a:ext uri="{28A0092B-C50C-407E-A947-70E740481C1C}">
-                <a14:useLocalDpi xmlns:a14="http://schemas.microsoft.com/office/drawing/2010/main" val="0"/>
-              </a:ext>
-            </a:extLst>
-          </a:blip>
-          <a:stretch>
-            <a:fillRect/>
-          </a:stretch>
-        </p:blipFill>
-        <p:spPr>
-          <a:xfrm>
-            <a:off x="7772401" y="733449"/>
-            <a:ext cx="4016375" cy="5573216"/>
-          </a:xfrm>
-          <a:prstGeom prst="rect">
-            <a:avLst/>
-          </a:prstGeom>
-        </p:spPr>
-      </p:pic>
       <p:sp>
         <p:nvSpPr>
           <p:cNvPr id="3" name="TextBox 2">
@@ -20849,7 +20813,7 @@
         </p:nvSpPr>
         <p:spPr>
           <a:xfrm>
-            <a:off x="8873752" y="6383774"/>
+            <a:off x="8745163" y="6169459"/>
             <a:ext cx="2135982" cy="307777"/>
           </a:xfrm>
           <a:prstGeom prst="rect">
@@ -20865,12 +20829,48 @@
           <a:p>
             <a:r>
               <a:rPr lang="en-US" dirty="0"/>
-              <a:t>Fig: Activity Diagram</a:t>
+              <a:t>Fig: Sequence Diagram</a:t>
             </a:r>
             <a:endParaRPr lang="en-GB" dirty="0"/>
           </a:p>
         </p:txBody>
       </p:sp>
+      <p:pic>
+        <p:nvPicPr>
+          <p:cNvPr id="4" name="Picture 3">
+            <a:extLst>
+              <a:ext uri="{FF2B5EF4-FFF2-40B4-BE49-F238E27FC236}">
+                <a16:creationId xmlns:a16="http://schemas.microsoft.com/office/drawing/2014/main" id="{210F64A2-4E63-E2FE-5F35-B59D3CA60254}"/>
+              </a:ext>
+            </a:extLst>
+          </p:cNvPr>
+          <p:cNvPicPr>
+            <a:picLocks noChangeAspect="1"/>
+          </p:cNvPicPr>
+          <p:nvPr/>
+        </p:nvPicPr>
+        <p:blipFill>
+          <a:blip r:embed="rId3">
+            <a:extLst>
+              <a:ext uri="{28A0092B-C50C-407E-A947-70E740481C1C}">
+                <a14:useLocalDpi xmlns:a14="http://schemas.microsoft.com/office/drawing/2010/main" val="0"/>
+              </a:ext>
+            </a:extLst>
+          </a:blip>
+          <a:stretch>
+            <a:fillRect/>
+          </a:stretch>
+        </p:blipFill>
+        <p:spPr>
+          <a:xfrm>
+            <a:off x="7248406" y="1900231"/>
+            <a:ext cx="4717393" cy="4038574"/>
+          </a:xfrm>
+          <a:prstGeom prst="rect">
+            <a:avLst/>
+          </a:prstGeom>
+        </p:spPr>
+      </p:pic>
     </p:spTree>
     <p:extLst>
       <p:ext uri="{BB962C8B-B14F-4D97-AF65-F5344CB8AC3E}">

--- a/Documentation/final -File Encryptor In C++.pptx
+++ b/Documentation/final -File Encryptor In C++.pptx
@@ -21018,7 +21018,7 @@
             </a:r>
           </a:p>
           <a:p>
-            <a:pPr marL="931544" lvl="1" indent="-461644">
+            <a:pPr marL="469900" lvl="1" indent="0">
               <a:spcBef>
                 <a:spcPts val="0"/>
               </a:spcBef>
@@ -21026,19 +21026,18 @@
                 <a:srgbClr val="5ECAEF"/>
               </a:buClr>
               <a:buSzPts val="1900"/>
-              <a:buFont typeface="Times New Roman"/>
-              <a:buChar char="►"/>
+              <a:buNone/>
             </a:pPr>
             <a:r>
               <a:rPr lang="en-GB" sz="2200" dirty="0">
                 <a:latin typeface="Calibri (body)"/>
                 <a:ea typeface="Cambria" panose="02040503050406030204" pitchFamily="18" charset="0"/>
               </a:rPr>
-              <a:t>Encrypt &amp; Decrypt valid file ✅</a:t>
+              <a:t>	Encrypt &amp; Decrypt valid file ✅</a:t>
             </a:r>
           </a:p>
           <a:p>
-            <a:pPr marL="931544" lvl="1" indent="-461644">
+            <a:pPr marL="469900" lvl="1" indent="0">
               <a:spcBef>
                 <a:spcPts val="0"/>
               </a:spcBef>
@@ -21046,19 +21045,18 @@
                 <a:srgbClr val="5ECAEF"/>
               </a:buClr>
               <a:buSzPts val="1900"/>
-              <a:buFont typeface="Times New Roman"/>
-              <a:buChar char="►"/>
+              <a:buNone/>
             </a:pPr>
             <a:r>
               <a:rPr lang="en-GB" sz="2200" dirty="0">
                 <a:latin typeface="Calibri (body)"/>
                 <a:ea typeface="Cambria" panose="02040503050406030204" pitchFamily="18" charset="0"/>
               </a:rPr>
-              <a:t>Handle missing or invalid file ✅</a:t>
+              <a:t>	Handle missing or invalid file ✅</a:t>
             </a:r>
           </a:p>
           <a:p>
-            <a:pPr marL="931544" lvl="1" indent="-461644">
+            <a:pPr marL="469900" lvl="1" indent="0">
               <a:spcBef>
                 <a:spcPts val="0"/>
               </a:spcBef>
@@ -21066,22 +21064,14 @@
                 <a:srgbClr val="5ECAEF"/>
               </a:buClr>
               <a:buSzPts val="1900"/>
-              <a:buFont typeface="Times New Roman"/>
-              <a:buChar char="►"/>
+              <a:buNone/>
             </a:pPr>
             <a:r>
               <a:rPr lang="en-GB" sz="2200" dirty="0">
                 <a:latin typeface="Calibri (body)"/>
                 <a:ea typeface="Cambria" panose="02040503050406030204" pitchFamily="18" charset="0"/>
               </a:rPr>
-              <a:t>Display </a:t>
-            </a:r>
-            <a:r>
-              <a:rPr lang="en-GB" sz="2200">
-                <a:latin typeface="Calibri (body)"/>
-                <a:ea typeface="Cambria" panose="02040503050406030204" pitchFamily="18" charset="0"/>
-              </a:rPr>
-              <a:t>history ✅</a:t>
+              <a:t>	Display history ✅</a:t>
             </a:r>
           </a:p>
           <a:p>
@@ -21128,7 +21118,7 @@
             </a:r>
           </a:p>
           <a:p>
-            <a:pPr marL="931544" lvl="1" indent="-461644">
+            <a:pPr marL="469900" lvl="1" indent="0">
               <a:spcBef>
                 <a:spcPts val="0"/>
               </a:spcBef>
@@ -21136,19 +21126,18 @@
                 <a:srgbClr val="5ECAEF"/>
               </a:buClr>
               <a:buSzPts val="1900"/>
-              <a:buFont typeface="Times New Roman"/>
-              <a:buChar char="►"/>
+              <a:buNone/>
             </a:pPr>
             <a:r>
               <a:rPr lang="en-GB" sz="2200" dirty="0">
                 <a:latin typeface="Calibri (body)"/>
                 <a:ea typeface="Cambria" panose="02040503050406030204" pitchFamily="18" charset="0"/>
               </a:rPr>
-              <a:t>UI region click calibration</a:t>
+              <a:t>	UI region click calibration</a:t>
             </a:r>
           </a:p>
           <a:p>
-            <a:pPr marL="931544" lvl="1" indent="-461644">
+            <a:pPr marL="469900" lvl="1" indent="0">
               <a:spcBef>
                 <a:spcPts val="0"/>
               </a:spcBef>
@@ -21156,19 +21145,18 @@
                 <a:srgbClr val="5ECAEF"/>
               </a:buClr>
               <a:buSzPts val="1900"/>
-              <a:buFont typeface="Times New Roman"/>
-              <a:buChar char="►"/>
+              <a:buNone/>
             </a:pPr>
             <a:r>
               <a:rPr lang="en-GB" sz="2200" dirty="0">
                 <a:latin typeface="Calibri (body)"/>
                 <a:ea typeface="Cambria" panose="02040503050406030204" pitchFamily="18" charset="0"/>
               </a:rPr>
-              <a:t>Sound file path testing</a:t>
+              <a:t>	Sound file path testing</a:t>
             </a:r>
           </a:p>
           <a:p>
-            <a:pPr marL="931544" lvl="1" indent="-461644">
+            <a:pPr marL="469900" lvl="1" indent="0">
               <a:spcBef>
                 <a:spcPts val="0"/>
               </a:spcBef>
@@ -21176,15 +21164,14 @@
                 <a:srgbClr val="5ECAEF"/>
               </a:buClr>
               <a:buSzPts val="1900"/>
-              <a:buFont typeface="Times New Roman"/>
-              <a:buChar char="►"/>
+              <a:buNone/>
             </a:pPr>
             <a:r>
               <a:rPr lang="en-GB" sz="2200" dirty="0">
                 <a:latin typeface="Calibri (body)"/>
                 <a:ea typeface="Cambria" panose="02040503050406030204" pitchFamily="18" charset="0"/>
               </a:rPr>
-              <a:t>Edge cases (empty/special character files)</a:t>
+              <a:t>	Edge cases (empty/special character files)</a:t>
             </a:r>
           </a:p>
           <a:p>
@@ -22077,7 +22064,7 @@
             </a:r>
           </a:p>
           <a:p>
-            <a:pPr marL="931544" lvl="1" indent="-461644">
+            <a:pPr marL="469900" lvl="1" indent="0">
               <a:spcBef>
                 <a:spcPts val="0"/>
               </a:spcBef>
@@ -22085,19 +22072,18 @@
                 <a:srgbClr val="5ECAEF"/>
               </a:buClr>
               <a:buSzPts val="1900"/>
-              <a:buFont typeface="Times New Roman"/>
-              <a:buChar char="►"/>
+              <a:buNone/>
             </a:pPr>
             <a:r>
               <a:rPr lang="en-GB" sz="2200" dirty="0">
                 <a:latin typeface="Calibri (body)"/>
                 <a:ea typeface="Cambria" panose="02040503050406030204" pitchFamily="18" charset="0"/>
               </a:rPr>
-              <a:t>Salim Shrestha</a:t>
+              <a:t>	Salim Shrestha</a:t>
             </a:r>
           </a:p>
           <a:p>
-            <a:pPr marL="931544" lvl="1" indent="-461644">
+            <a:pPr marL="469900" lvl="1" indent="0">
               <a:spcBef>
                 <a:spcPts val="0"/>
               </a:spcBef>
@@ -22105,9 +22091,15 @@
                 <a:srgbClr val="5ECAEF"/>
               </a:buClr>
               <a:buSzPts val="1900"/>
-              <a:buFont typeface="Times New Roman"/>
-              <a:buChar char="►"/>
+              <a:buNone/>
             </a:pPr>
+            <a:r>
+              <a:rPr lang="en-GB" sz="2200" dirty="0">
+                <a:latin typeface="Calibri (body)"/>
+                <a:ea typeface="Cambria" panose="02040503050406030204" pitchFamily="18" charset="0"/>
+              </a:rPr>
+              <a:t>	</a:t>
+            </a:r>
             <a:r>
               <a:rPr lang="en-GB" sz="2200" dirty="0" err="1">
                 <a:latin typeface="Calibri (body)"/>
@@ -22124,7 +22116,7 @@
             </a:r>
           </a:p>
           <a:p>
-            <a:pPr marL="931544" lvl="1" indent="-461644">
+            <a:pPr marL="469900" lvl="1" indent="0">
               <a:spcBef>
                 <a:spcPts val="0"/>
               </a:spcBef>
@@ -22132,15 +22124,21 @@
                 <a:srgbClr val="5ECAEF"/>
               </a:buClr>
               <a:buSzPts val="1900"/>
-              <a:buFont typeface="Times New Roman"/>
-              <a:buChar char="►"/>
+              <a:buNone/>
             </a:pPr>
+            <a:r>
+              <a:rPr lang="en-GB" sz="2200">
+                <a:latin typeface="Calibri (body)"/>
+                <a:ea typeface="Cambria" panose="02040503050406030204" pitchFamily="18" charset="0"/>
+              </a:rPr>
+              <a:t>	Aayush </a:t>
+            </a:r>
             <a:r>
               <a:rPr lang="en-GB" sz="2200" dirty="0">
                 <a:latin typeface="Calibri (body)"/>
                 <a:ea typeface="Cambria" panose="02040503050406030204" pitchFamily="18" charset="0"/>
               </a:rPr>
-              <a:t>Aayush Kumar Mallik</a:t>
+              <a:t>Kumar Mallik</a:t>
             </a:r>
           </a:p>
         </p:txBody>
@@ -23155,7 +23153,7 @@
             </a:endParaRPr>
           </a:p>
           <a:p>
-            <a:pPr marL="931544" marR="85090" lvl="1" indent="-462280">
+            <a:pPr marL="469264" marR="85090" lvl="1" indent="0">
               <a:lnSpc>
                 <a:spcPct val="150000"/>
               </a:lnSpc>
@@ -23166,15 +23164,14 @@
                 <a:srgbClr val="5ECAEF"/>
               </a:buClr>
               <a:buSzPts val="1900"/>
-              <a:buFont typeface="Times New Roman"/>
-              <a:buChar char="►"/>
+              <a:buNone/>
             </a:pPr>
             <a:r>
               <a:rPr lang="en-GB" sz="2400" dirty="0">
                 <a:latin typeface="Calibri (body)"/>
                 <a:ea typeface="Cambria" panose="02040503050406030204" pitchFamily="18" charset="0"/>
               </a:rPr>
-              <a:t>Protect data from unauthorized access</a:t>
+              <a:t>	Protect data from unauthorized access</a:t>
             </a:r>
             <a:endParaRPr lang="en-GB" sz="2200" dirty="0">
               <a:solidFill>
@@ -23206,7 +23203,7 @@
             </a:r>
           </a:p>
           <a:p>
-            <a:pPr marL="931544" marR="85090" lvl="1" indent="-462280">
+            <a:pPr marL="469264" marR="85090" lvl="1" indent="0">
               <a:lnSpc>
                 <a:spcPct val="150000"/>
               </a:lnSpc>
@@ -23217,8 +23214,7 @@
                 <a:srgbClr val="5ECAEF"/>
               </a:buClr>
               <a:buSzPts val="1900"/>
-              <a:buFont typeface="Times New Roman"/>
-              <a:buChar char="►"/>
+              <a:buNone/>
             </a:pPr>
             <a:r>
               <a:rPr lang="en-GB" sz="2200" dirty="0">
@@ -23227,7 +23223,7 @@
                 <a:cs typeface="Cambria"/>
                 <a:sym typeface="Cambria"/>
               </a:rPr>
-              <a:t>Prevent modification during storage or transfer</a:t>
+              <a:t>	Prevent modification during storage or transfer</a:t>
             </a:r>
           </a:p>
           <a:p>
@@ -23250,7 +23246,7 @@
             </a:r>
           </a:p>
           <a:p>
-            <a:pPr marL="931544" marR="85090" lvl="1" indent="-462280">
+            <a:pPr marL="469264" marR="85090" lvl="1" indent="0">
               <a:lnSpc>
                 <a:spcPct val="150000"/>
               </a:lnSpc>
@@ -23261,8 +23257,7 @@
                 <a:srgbClr val="5ECAEF"/>
               </a:buClr>
               <a:buSzPts val="1900"/>
-              <a:buFont typeface="Times New Roman"/>
-              <a:buChar char="►"/>
+              <a:buNone/>
             </a:pPr>
             <a:r>
               <a:rPr lang="en-GB" sz="2200" dirty="0">
@@ -23271,7 +23266,7 @@
                 <a:cs typeface="Cambria"/>
                 <a:sym typeface="Cambria"/>
               </a:rPr>
-              <a:t>Restrict file access to key holders.</a:t>
+              <a:t>	Restrict file access to key holders.</a:t>
             </a:r>
           </a:p>
           <a:p>
@@ -24997,7 +24992,7 @@
             </a:r>
           </a:p>
           <a:p>
-            <a:pPr marL="931544" lvl="1" indent="-461644">
+            <a:pPr marL="469900" lvl="1" indent="0">
               <a:spcBef>
                 <a:spcPts val="0"/>
               </a:spcBef>
@@ -25005,15 +25000,14 @@
                 <a:srgbClr val="5ECAEF"/>
               </a:buClr>
               <a:buSzPts val="1900"/>
-              <a:buFont typeface="Times New Roman"/>
-              <a:buChar char="►"/>
+              <a:buNone/>
             </a:pPr>
             <a:r>
               <a:rPr lang="en-US" sz="2200" dirty="0">
                 <a:latin typeface="Calibri (body)"/>
                 <a:ea typeface="Cambria" panose="02040503050406030204" pitchFamily="18" charset="0"/>
               </a:rPr>
-              <a:t>Menu, Dialogs, Animation</a:t>
+              <a:t>	Menu, Dialogs, Animation</a:t>
             </a:r>
           </a:p>
           <a:p>
@@ -25043,7 +25037,7 @@
             </a:r>
           </a:p>
           <a:p>
-            <a:pPr marL="931544" lvl="1" indent="-461644">
+            <a:pPr marL="469900" lvl="1" indent="0">
               <a:spcBef>
                 <a:spcPts val="0"/>
               </a:spcBef>
@@ -25051,15 +25045,14 @@
                 <a:srgbClr val="5ECAEF"/>
               </a:buClr>
               <a:buSzPts val="1900"/>
-              <a:buFont typeface="Times New Roman"/>
-              <a:buChar char="►"/>
+              <a:buNone/>
             </a:pPr>
             <a:r>
               <a:rPr lang="en-US" sz="2200" dirty="0">
                 <a:latin typeface="Calibri (body)"/>
                 <a:ea typeface="Cambria" panose="02040503050406030204" pitchFamily="18" charset="0"/>
               </a:rPr>
-              <a:t>Caesar Cipher</a:t>
+              <a:t>	Caesar Cipher</a:t>
             </a:r>
           </a:p>
           <a:p>
@@ -25089,7 +25082,7 @@
             </a:r>
           </a:p>
           <a:p>
-            <a:pPr marL="931544" lvl="1" indent="-461644">
+            <a:pPr marL="469900" lvl="1" indent="0">
               <a:spcBef>
                 <a:spcPts val="0"/>
               </a:spcBef>
@@ -25097,15 +25090,14 @@
                 <a:srgbClr val="5ECAEF"/>
               </a:buClr>
               <a:buSzPts val="1900"/>
-              <a:buFont typeface="Times New Roman"/>
-              <a:buChar char="►"/>
+              <a:buNone/>
             </a:pPr>
             <a:r>
               <a:rPr lang="en-US" sz="2200" dirty="0">
                 <a:latin typeface="Calibri (body)"/>
                 <a:ea typeface="Cambria" panose="02040503050406030204" pitchFamily="18" charset="0"/>
               </a:rPr>
-              <a:t>Input/Output</a:t>
+              <a:t>	Input/Output</a:t>
             </a:r>
           </a:p>
           <a:p>
@@ -25135,7 +25127,7 @@
             </a:r>
           </a:p>
           <a:p>
-            <a:pPr marL="931544" lvl="1" indent="-461644">
+            <a:pPr marL="469900" lvl="1" indent="0">
               <a:spcBef>
                 <a:spcPts val="0"/>
               </a:spcBef>
@@ -25143,15 +25135,14 @@
                 <a:srgbClr val="5ECAEF"/>
               </a:buClr>
               <a:buSzPts val="1900"/>
-              <a:buFont typeface="Times New Roman"/>
-              <a:buChar char="►"/>
+              <a:buNone/>
             </a:pPr>
             <a:r>
               <a:rPr lang="en-US" sz="2200" dirty="0">
                 <a:latin typeface="Calibri (body)"/>
                 <a:ea typeface="Cambria" panose="02040503050406030204" pitchFamily="18" charset="0"/>
               </a:rPr>
-              <a:t>History tracking</a:t>
+              <a:t>	History tracking</a:t>
             </a:r>
           </a:p>
           <a:p>
@@ -25181,7 +25172,7 @@
             </a:r>
           </a:p>
           <a:p>
-            <a:pPr marL="931544" lvl="1" indent="-461644">
+            <a:pPr marL="469900" lvl="1" indent="0">
               <a:spcBef>
                 <a:spcPts val="0"/>
               </a:spcBef>
@@ -25189,15 +25180,14 @@
                 <a:srgbClr val="5ECAEF"/>
               </a:buClr>
               <a:buSzPts val="1900"/>
-              <a:buFont typeface="Times New Roman"/>
-              <a:buChar char="►"/>
+              <a:buNone/>
             </a:pPr>
             <a:r>
               <a:rPr lang="en-US" sz="2200" dirty="0">
                 <a:latin typeface="Calibri (body)"/>
                 <a:ea typeface="Cambria" panose="02040503050406030204" pitchFamily="18" charset="0"/>
               </a:rPr>
-              <a:t>Sounds and messages</a:t>
+              <a:t>	Sounds and messages</a:t>
             </a:r>
           </a:p>
           <a:p>

--- a/Documentation/final -File Encryptor In C++.pptx
+++ b/Documentation/final -File Encryptor In C++.pptx
@@ -21033,7 +21033,7 @@
                 <a:latin typeface="Calibri (body)"/>
                 <a:ea typeface="Cambria" panose="02040503050406030204" pitchFamily="18" charset="0"/>
               </a:rPr>
-              <a:t>	Encrypt &amp; Decrypt valid file ✅</a:t>
+              <a:t>	Encrypt &amp; Decrypt valid file</a:t>
             </a:r>
           </a:p>
           <a:p>
@@ -21052,7 +21052,7 @@
                 <a:latin typeface="Calibri (body)"/>
                 <a:ea typeface="Cambria" panose="02040503050406030204" pitchFamily="18" charset="0"/>
               </a:rPr>
-              <a:t>	Handle missing or invalid file ✅</a:t>
+              <a:t>	Handle missing or invalid file</a:t>
             </a:r>
           </a:p>
           <a:p>
@@ -21071,8 +21071,19 @@
                 <a:latin typeface="Calibri (body)"/>
                 <a:ea typeface="Cambria" panose="02040503050406030204" pitchFamily="18" charset="0"/>
               </a:rPr>
-              <a:t>	Display history ✅</a:t>
+              <a:t>	</a:t>
             </a:r>
+            <a:r>
+              <a:rPr lang="en-GB" sz="2200">
+                <a:latin typeface="Calibri (body)"/>
+                <a:ea typeface="Cambria" panose="02040503050406030204" pitchFamily="18" charset="0"/>
+              </a:rPr>
+              <a:t>Display history</a:t>
+            </a:r>
+            <a:endParaRPr lang="en-GB" sz="2200" dirty="0">
+              <a:latin typeface="Calibri (body)"/>
+              <a:ea typeface="Cambria" panose="02040503050406030204" pitchFamily="18" charset="0"/>
+            </a:endParaRPr>
           </a:p>
           <a:p>
             <a:pPr marL="931544" lvl="1" indent="-461644">
@@ -22127,18 +22138,11 @@
               <a:buNone/>
             </a:pPr>
             <a:r>
-              <a:rPr lang="en-GB" sz="2200">
-                <a:latin typeface="Calibri (body)"/>
-                <a:ea typeface="Cambria" panose="02040503050406030204" pitchFamily="18" charset="0"/>
-              </a:rPr>
-              <a:t>	Aayush </a:t>
-            </a:r>
-            <a:r>
               <a:rPr lang="en-GB" sz="2200" dirty="0">
                 <a:latin typeface="Calibri (body)"/>
                 <a:ea typeface="Cambria" panose="02040503050406030204" pitchFamily="18" charset="0"/>
               </a:rPr>
-              <a:t>Kumar Mallik</a:t>
+              <a:t>	Aayush Kumar Mallik</a:t>
             </a:r>
           </a:p>
         </p:txBody>

--- a/Documentation/final -File Encryptor In C++.pptx
+++ b/Documentation/final -File Encryptor In C++.pptx
@@ -279,7 +279,7 @@
       </p15:sldGuideLst>
     </p:ext>
     <p:ext uri="GoogleSlidesCustomDataVersion2">
-      <go:slidesCustomData xmlns="" xmlns:mc="http://schemas.openxmlformats.org/markup-compatibility/2006" xmlns:mv="urn:schemas-microsoft-com:mac:vml" xmlns:c="http://schemas.openxmlformats.org/drawingml/2006/chart" xmlns:dgm="http://schemas.openxmlformats.org/drawingml/2006/diagram" xmlns:o="urn:schemas-microsoft-com:office:office" xmlns:v="urn:schemas-microsoft-com:vml" xmlns:pvml="urn:schemas-microsoft-com:office:powerpoint" xmlns:com="http://schemas.openxmlformats.org/drawingml/2006/compatibility" xmlns:p14="http://schemas.microsoft.com/office/powerpoint/2010/main" xmlns:p15="http://schemas.microsoft.com/office/powerpoint/2012/main" xmlns:ahyp="http://schemas.microsoft.com/office/drawing/2018/hyperlinkcolor" xmlns:go="http://customooxmlschemas.google.com/" r:id="rId25" roundtripDataSignature="AMtx7miiVGhCrf2v17o/PY4/uoxnTXy3DQ=="/>
+      <go:slidesCustomData xmlns:go="http://customooxmlschemas.google.com/" xmlns:ahyp="http://schemas.microsoft.com/office/drawing/2018/hyperlinkcolor" xmlns:p15="http://schemas.microsoft.com/office/powerpoint/2012/main" xmlns:p14="http://schemas.microsoft.com/office/powerpoint/2010/main" xmlns:com="http://schemas.openxmlformats.org/drawingml/2006/compatibility" xmlns:pvml="urn:schemas-microsoft-com:office:powerpoint" xmlns:v="urn:schemas-microsoft-com:vml" xmlns:o="urn:schemas-microsoft-com:office:office" xmlns:dgm="http://schemas.openxmlformats.org/drawingml/2006/diagram" xmlns:c="http://schemas.openxmlformats.org/drawingml/2006/chart" xmlns:mv="urn:schemas-microsoft-com:mac:vml" xmlns:mc="http://schemas.openxmlformats.org/markup-compatibility/2006" xmlns="" r:id="rId25" roundtripDataSignature="AMtx7miiVGhCrf2v17o/PY4/uoxnTXy3DQ=="/>
     </p:ext>
   </p:extLst>
 </p:presentation>
@@ -20304,8 +20304,8 @@
         </p:nvSpPr>
         <p:spPr>
           <a:xfrm>
-            <a:off x="3049235" y="2214750"/>
-            <a:ext cx="6675528" cy="2253437"/>
+            <a:off x="1832923" y="2214750"/>
+            <a:ext cx="9354190" cy="2253437"/>
           </a:xfrm>
           <a:prstGeom prst="rect">
             <a:avLst/>
@@ -20405,17 +20405,10 @@
             </a:r>
           </a:p>
           <a:p>
-            <a:pPr marL="12065" marR="5080" lvl="0" indent="0" algn="ctr" rtl="0">
+            <a:pPr marL="12065" marR="5080" lvl="0" algn="ctr">
               <a:lnSpc>
                 <a:spcPct val="121700"/>
               </a:lnSpc>
-              <a:spcBef>
-                <a:spcPts val="0"/>
-              </a:spcBef>
-              <a:spcAft>
-                <a:spcPts val="0"/>
-              </a:spcAft>
-              <a:buNone/>
             </a:pPr>
             <a:r>
               <a:rPr lang="en-US" sz="2000" dirty="0">
@@ -20427,7 +20420,7 @@
                 <a:cs typeface="Cambria"/>
                 <a:sym typeface="Cambria"/>
               </a:rPr>
-              <a:t>Salim Shrestha | </a:t>
+              <a:t>Salim Shrestha (731744) | </a:t>
             </a:r>
             <a:r>
               <a:rPr lang="en-US" sz="2000" dirty="0" err="1">
@@ -20451,7 +20444,7 @@
                 <a:cs typeface="Cambria"/>
                 <a:sym typeface="Cambria"/>
               </a:rPr>
-              <a:t> Rokaya | Aayush Kumar Mallik Supervisor: Mr. Kiran Khanal</a:t>
+              <a:t> Rokaya (731763) | Aayush Kumar Mallik (731759) Supervisor: Mr. Kiran Khanal</a:t>
             </a:r>
           </a:p>
           <a:p>

--- a/Documentation/final -File Encryptor In C++.pptx
+++ b/Documentation/final -File Encryptor In C++.pptx
@@ -279,7 +279,7 @@
       </p15:sldGuideLst>
     </p:ext>
     <p:ext uri="GoogleSlidesCustomDataVersion2">
-      <go:slidesCustomData xmlns:go="http://customooxmlschemas.google.com/" xmlns:ahyp="http://schemas.microsoft.com/office/drawing/2018/hyperlinkcolor" xmlns:p15="http://schemas.microsoft.com/office/powerpoint/2012/main" xmlns:p14="http://schemas.microsoft.com/office/powerpoint/2010/main" xmlns:com="http://schemas.openxmlformats.org/drawingml/2006/compatibility" xmlns:pvml="urn:schemas-microsoft-com:office:powerpoint" xmlns:v="urn:schemas-microsoft-com:vml" xmlns:o="urn:schemas-microsoft-com:office:office" xmlns:dgm="http://schemas.openxmlformats.org/drawingml/2006/diagram" xmlns:c="http://schemas.openxmlformats.org/drawingml/2006/chart" xmlns:mv="urn:schemas-microsoft-com:mac:vml" xmlns:mc="http://schemas.openxmlformats.org/markup-compatibility/2006" xmlns="" r:id="rId25" roundtripDataSignature="AMtx7miiVGhCrf2v17o/PY4/uoxnTXy3DQ=="/>
+      <go:slidesCustomData xmlns="" xmlns:mc="http://schemas.openxmlformats.org/markup-compatibility/2006" xmlns:mv="urn:schemas-microsoft-com:mac:vml" xmlns:c="http://schemas.openxmlformats.org/drawingml/2006/chart" xmlns:dgm="http://schemas.openxmlformats.org/drawingml/2006/diagram" xmlns:o="urn:schemas-microsoft-com:office:office" xmlns:v="urn:schemas-microsoft-com:vml" xmlns:pvml="urn:schemas-microsoft-com:office:powerpoint" xmlns:com="http://schemas.openxmlformats.org/drawingml/2006/compatibility" xmlns:p14="http://schemas.microsoft.com/office/powerpoint/2010/main" xmlns:p15="http://schemas.microsoft.com/office/powerpoint/2012/main" xmlns:ahyp="http://schemas.microsoft.com/office/drawing/2018/hyperlinkcolor" xmlns:go="http://customooxmlschemas.google.com/" r:id="rId25" roundtripDataSignature="AMtx7miiVGhCrf2v17o/PY4/uoxnTXy3DQ=="/>
     </p:ext>
   </p:extLst>
 </p:presentation>
@@ -20822,7 +20822,7 @@
           <a:p>
             <a:r>
               <a:rPr lang="en-US" dirty="0"/>
-              <a:t>Fig: Sequence Diagram</a:t>
+              <a:t>Fig: Flow Chart</a:t>
             </a:r>
             <a:endParaRPr lang="en-GB" dirty="0"/>
           </a:p>
@@ -20830,10 +20830,10 @@
       </p:sp>
       <p:pic>
         <p:nvPicPr>
-          <p:cNvPr id="4" name="Picture 3">
+          <p:cNvPr id="5" name="Picture 4">
             <a:extLst>
               <a:ext uri="{FF2B5EF4-FFF2-40B4-BE49-F238E27FC236}">
-                <a16:creationId xmlns:a16="http://schemas.microsoft.com/office/drawing/2014/main" id="{210F64A2-4E63-E2FE-5F35-B59D3CA60254}"/>
+                <a16:creationId xmlns:a16="http://schemas.microsoft.com/office/drawing/2014/main" id="{88BD1881-2C08-B4DB-40A9-CEB27B4930BB}"/>
               </a:ext>
             </a:extLst>
           </p:cNvPr>
@@ -20843,21 +20843,15 @@
           <p:nvPr/>
         </p:nvPicPr>
         <p:blipFill>
-          <a:blip r:embed="rId3">
-            <a:extLst>
-              <a:ext uri="{28A0092B-C50C-407E-A947-70E740481C1C}">
-                <a14:useLocalDpi xmlns:a14="http://schemas.microsoft.com/office/drawing/2010/main" val="0"/>
-              </a:ext>
-            </a:extLst>
-          </a:blip>
+          <a:blip r:embed="rId3"/>
           <a:stretch>
             <a:fillRect/>
           </a:stretch>
         </p:blipFill>
         <p:spPr>
           <a:xfrm>
-            <a:off x="7248406" y="1900231"/>
-            <a:ext cx="4717393" cy="4038574"/>
+            <a:off x="7883613" y="551335"/>
+            <a:ext cx="3859082" cy="5421238"/>
           </a:xfrm>
           <a:prstGeom prst="rect">
             <a:avLst/>
